--- a/Power Point Slides/Tailwind vs Bootstrap.pptx
+++ b/Power Point Slides/Tailwind vs Bootstrap.pptx
@@ -119,7 +119,7 @@
   </p:defaultTextStyle>
   <p:extLst>
     <p:ext uri="{EFAFB233-063F-42B5-8137-9DF3F51BA10A}">
-      <p15:sldGuideLst xmlns="" xmlns:p15="http://schemas.microsoft.com/office/powerpoint/2012/main">
+      <p15:sldGuideLst xmlns:p15="http://schemas.microsoft.com/office/powerpoint/2012/main" xmlns="">
         <p15:guide id="1" orient="horz" pos="2160">
           <p15:clr>
             <a:srgbClr val="A4A3A4"/>
@@ -133,7 +133,7 @@
       </p15:sldGuideLst>
     </p:ext>
     <p:ext uri="{2D200454-40CA-4A62-9FC3-DE9A4176ACB9}">
-      <p15:notesGuideLst xmlns="" xmlns:p15="http://schemas.microsoft.com/office/powerpoint/2012/main"/>
+      <p15:notesGuideLst xmlns:p15="http://schemas.microsoft.com/office/powerpoint/2012/main" xmlns=""/>
     </p:ext>
   </p:extLst>
 </p:presentation>
@@ -175,7 +175,7 @@
           <p:cNvPr id="2" name="Header Placeholder 1">
             <a:extLst>
               <a:ext uri="{FF2B5EF4-FFF2-40B4-BE49-F238E27FC236}">
-                <a16:creationId xmlns="" xmlns:a16="http://schemas.microsoft.com/office/drawing/2014/main" id="{273365B8-2511-D040-9EAC-EAD5E1AB0259}"/>
+                <a16:creationId xmlns:a16="http://schemas.microsoft.com/office/drawing/2014/main" xmlns="" id="{273365B8-2511-D040-9EAC-EAD5E1AB0259}"/>
               </a:ext>
             </a:extLst>
           </p:cNvPr>
@@ -212,7 +212,7 @@
           <p:cNvPr id="3" name="Date Placeholder 2">
             <a:extLst>
               <a:ext uri="{FF2B5EF4-FFF2-40B4-BE49-F238E27FC236}">
-                <a16:creationId xmlns="" xmlns:a16="http://schemas.microsoft.com/office/drawing/2014/main" id="{FA53D240-1E32-F546-97BB-3F81E4C94127}"/>
+                <a16:creationId xmlns:a16="http://schemas.microsoft.com/office/drawing/2014/main" xmlns="" id="{FA53D240-1E32-F546-97BB-3F81E4C94127}"/>
               </a:ext>
             </a:extLst>
           </p:cNvPr>
@@ -243,7 +243,7 @@
             <a:fld id="{5E46B522-554D-304C-B062-B3D14C953F88}" type="datetimeFigureOut">
               <a:rPr lang="en-US" smtClean="0"/>
               <a:pPr/>
-              <a:t>10/16/2024</a:t>
+              <a:t>10/30/2024</a:t>
             </a:fld>
             <a:endParaRPr lang="en-US"/>
           </a:p>
@@ -254,7 +254,7 @@
           <p:cNvPr id="4" name="Footer Placeholder 3">
             <a:extLst>
               <a:ext uri="{FF2B5EF4-FFF2-40B4-BE49-F238E27FC236}">
-                <a16:creationId xmlns="" xmlns:a16="http://schemas.microsoft.com/office/drawing/2014/main" id="{0FB1C412-F491-B74E-A609-73034009A4FE}"/>
+                <a16:creationId xmlns:a16="http://schemas.microsoft.com/office/drawing/2014/main" xmlns="" id="{0FB1C412-F491-B74E-A609-73034009A4FE}"/>
               </a:ext>
             </a:extLst>
           </p:cNvPr>
@@ -291,7 +291,7 @@
           <p:cNvPr id="5" name="Slide Number Placeholder 4">
             <a:extLst>
               <a:ext uri="{FF2B5EF4-FFF2-40B4-BE49-F238E27FC236}">
-                <a16:creationId xmlns="" xmlns:a16="http://schemas.microsoft.com/office/drawing/2014/main" id="{0B72CE36-DEB7-BF4C-A096-B6E5D881FA61}"/>
+                <a16:creationId xmlns:a16="http://schemas.microsoft.com/office/drawing/2014/main" xmlns="" id="{0B72CE36-DEB7-BF4C-A096-B6E5D881FA61}"/>
               </a:ext>
             </a:extLst>
           </p:cNvPr>
@@ -331,7 +331,7 @@
     </p:spTree>
     <p:extLst>
       <p:ext uri="{BB962C8B-B14F-4D97-AF65-F5344CB8AC3E}">
-        <p14:creationId xmlns="" xmlns:p14="http://schemas.microsoft.com/office/powerpoint/2010/main" val="2867797386"/>
+        <p14:creationId xmlns:p14="http://schemas.microsoft.com/office/powerpoint/2010/main" xmlns="" val="2867797386"/>
       </p:ext>
     </p:extLst>
   </p:cSld>
@@ -422,7 +422,7 @@
             <a:fld id="{5BA413F0-8702-4C58-A1DC-FE228FE832D3}" type="datetimeFigureOut">
               <a:rPr lang="en-US" smtClean="0"/>
               <a:pPr/>
-              <a:t>10/16/2024</a:t>
+              <a:t>10/30/2024</a:t>
             </a:fld>
             <a:endParaRPr lang="en-US"/>
           </a:p>
@@ -590,7 +590,7 @@
     </p:spTree>
     <p:extLst>
       <p:ext uri="{BB962C8B-B14F-4D97-AF65-F5344CB8AC3E}">
-        <p14:creationId xmlns="" xmlns:p14="http://schemas.microsoft.com/office/powerpoint/2010/main" val="2039652292"/>
+        <p14:creationId xmlns:p14="http://schemas.microsoft.com/office/powerpoint/2010/main" xmlns="" val="2039652292"/>
       </p:ext>
     </p:extLst>
   </p:cSld>
@@ -712,7 +712,7 @@
           <p:cNvPr id="8" name="Picture 7">
             <a:extLst>
               <a:ext uri="{FF2B5EF4-FFF2-40B4-BE49-F238E27FC236}">
-                <a16:creationId xmlns="" xmlns:a16="http://schemas.microsoft.com/office/drawing/2014/main" id="{DCB70024-7CB7-C54A-B281-8ABD3CB28A78}"/>
+                <a16:creationId xmlns:a16="http://schemas.microsoft.com/office/drawing/2014/main" xmlns="" id="{DCB70024-7CB7-C54A-B281-8ABD3CB28A78}"/>
               </a:ext>
             </a:extLst>
           </p:cNvPr>
@@ -742,7 +742,7 @@
           <p:cNvPr id="2" name="Title 1">
             <a:extLst>
               <a:ext uri="{FF2B5EF4-FFF2-40B4-BE49-F238E27FC236}">
-                <a16:creationId xmlns="" xmlns:a16="http://schemas.microsoft.com/office/drawing/2014/main" id="{31D28376-80FC-AA47-983D-5AA4ADF9D4A4}"/>
+                <a16:creationId xmlns:a16="http://schemas.microsoft.com/office/drawing/2014/main" xmlns="" id="{31D28376-80FC-AA47-983D-5AA4ADF9D4A4}"/>
               </a:ext>
             </a:extLst>
           </p:cNvPr>
@@ -785,7 +785,7 @@
           <p:cNvPr id="13" name="Text Placeholder 3">
             <a:extLst>
               <a:ext uri="{FF2B5EF4-FFF2-40B4-BE49-F238E27FC236}">
-                <a16:creationId xmlns="" xmlns:a16="http://schemas.microsoft.com/office/drawing/2014/main" id="{19FEBE34-6786-634C-97C1-F56667D4943E}"/>
+                <a16:creationId xmlns:a16="http://schemas.microsoft.com/office/drawing/2014/main" xmlns="" id="{19FEBE34-6786-634C-97C1-F56667D4943E}"/>
               </a:ext>
             </a:extLst>
           </p:cNvPr>
@@ -863,7 +863,7 @@
           <p:cNvPr id="14" name="Picture 13">
             <a:extLst>
               <a:ext uri="{FF2B5EF4-FFF2-40B4-BE49-F238E27FC236}">
-                <a16:creationId xmlns="" xmlns:a16="http://schemas.microsoft.com/office/drawing/2014/main" id="{FA18BCDF-85A9-7E46-B854-763E07701F49}"/>
+                <a16:creationId xmlns:a16="http://schemas.microsoft.com/office/drawing/2014/main" xmlns="" id="{FA18BCDF-85A9-7E46-B854-763E07701F49}"/>
               </a:ext>
             </a:extLst>
           </p:cNvPr>
@@ -891,7 +891,7 @@
     </p:spTree>
     <p:extLst>
       <p:ext uri="{BB962C8B-B14F-4D97-AF65-F5344CB8AC3E}">
-        <p14:creationId xmlns="" xmlns:p14="http://schemas.microsoft.com/office/powerpoint/2010/main" val="3242109002"/>
+        <p14:creationId xmlns:p14="http://schemas.microsoft.com/office/powerpoint/2010/main" xmlns="" val="3242109002"/>
       </p:ext>
     </p:extLst>
   </p:cSld>
@@ -899,7 +899,7 @@
     <a:masterClrMapping/>
   </p:clrMapOvr>
   <mc:AlternateContent xmlns:mc="http://schemas.openxmlformats.org/markup-compatibility/2006">
-    <mc:Choice xmlns="" xmlns:p14="http://schemas.microsoft.com/office/powerpoint/2010/main" Requires="p14">
+    <mc:Choice xmlns:p14="http://schemas.microsoft.com/office/powerpoint/2010/main" xmlns="" Requires="p14">
       <p:transition spd="slow" p14:dur="2000" advClick="0" advTm="5000"/>
     </mc:Choice>
     <mc:Fallback>
@@ -931,7 +931,7 @@
           <p:cNvPr id="3" name="Rectangle 2">
             <a:extLst>
               <a:ext uri="{FF2B5EF4-FFF2-40B4-BE49-F238E27FC236}">
-                <a16:creationId xmlns="" xmlns:a16="http://schemas.microsoft.com/office/drawing/2014/main" id="{312D6159-2173-3548-874C-452958A85DF6}"/>
+                <a16:creationId xmlns:a16="http://schemas.microsoft.com/office/drawing/2014/main" xmlns="" id="{312D6159-2173-3548-874C-452958A85DF6}"/>
               </a:ext>
             </a:extLst>
           </p:cNvPr>
@@ -991,7 +991,7 @@
           <p:cNvPr id="9" name="Picture 8">
             <a:extLst>
               <a:ext uri="{FF2B5EF4-FFF2-40B4-BE49-F238E27FC236}">
-                <a16:creationId xmlns="" xmlns:a16="http://schemas.microsoft.com/office/drawing/2014/main" id="{7D240A3C-FB87-A849-BF43-94582DC1113D}"/>
+                <a16:creationId xmlns:a16="http://schemas.microsoft.com/office/drawing/2014/main" xmlns="" id="{7D240A3C-FB87-A849-BF43-94582DC1113D}"/>
               </a:ext>
             </a:extLst>
           </p:cNvPr>
@@ -1021,7 +1021,7 @@
           <p:cNvPr id="5" name="Parallelogram 4">
             <a:extLst>
               <a:ext uri="{FF2B5EF4-FFF2-40B4-BE49-F238E27FC236}">
-                <a16:creationId xmlns="" xmlns:a16="http://schemas.microsoft.com/office/drawing/2014/main" id="{044CF2C6-1EB8-C545-A5EB-AF5DD2B28349}"/>
+                <a16:creationId xmlns:a16="http://schemas.microsoft.com/office/drawing/2014/main" xmlns="" id="{044CF2C6-1EB8-C545-A5EB-AF5DD2B28349}"/>
               </a:ext>
             </a:extLst>
           </p:cNvPr>
@@ -1077,7 +1077,7 @@
           <p:cNvPr id="11" name="Parallelogram 10">
             <a:extLst>
               <a:ext uri="{FF2B5EF4-FFF2-40B4-BE49-F238E27FC236}">
-                <a16:creationId xmlns="" xmlns:a16="http://schemas.microsoft.com/office/drawing/2014/main" id="{82DF6964-073F-A741-8B17-E0E690F4DF59}"/>
+                <a16:creationId xmlns:a16="http://schemas.microsoft.com/office/drawing/2014/main" xmlns="" id="{82DF6964-073F-A741-8B17-E0E690F4DF59}"/>
               </a:ext>
             </a:extLst>
           </p:cNvPr>
@@ -1133,7 +1133,7 @@
           <p:cNvPr id="12" name="Picture 11">
             <a:extLst>
               <a:ext uri="{FF2B5EF4-FFF2-40B4-BE49-F238E27FC236}">
-                <a16:creationId xmlns="" xmlns:a16="http://schemas.microsoft.com/office/drawing/2014/main" id="{5468F2ED-84BD-5740-B8E1-A6C010A50528}"/>
+                <a16:creationId xmlns:a16="http://schemas.microsoft.com/office/drawing/2014/main" xmlns="" id="{5468F2ED-84BD-5740-B8E1-A6C010A50528}"/>
               </a:ext>
             </a:extLst>
           </p:cNvPr>
@@ -1163,7 +1163,7 @@
           <p:cNvPr id="2" name="Title 1">
             <a:extLst>
               <a:ext uri="{FF2B5EF4-FFF2-40B4-BE49-F238E27FC236}">
-                <a16:creationId xmlns="" xmlns:a16="http://schemas.microsoft.com/office/drawing/2014/main" id="{31D28376-80FC-AA47-983D-5AA4ADF9D4A4}"/>
+                <a16:creationId xmlns:a16="http://schemas.microsoft.com/office/drawing/2014/main" xmlns="" id="{31D28376-80FC-AA47-983D-5AA4ADF9D4A4}"/>
               </a:ext>
             </a:extLst>
           </p:cNvPr>
@@ -1206,7 +1206,7 @@
           <p:cNvPr id="14" name="Picture 13">
             <a:extLst>
               <a:ext uri="{FF2B5EF4-FFF2-40B4-BE49-F238E27FC236}">
-                <a16:creationId xmlns="" xmlns:a16="http://schemas.microsoft.com/office/drawing/2014/main" id="{49AFA3BC-2111-0D40-8CDB-D02BC1839772}"/>
+                <a16:creationId xmlns:a16="http://schemas.microsoft.com/office/drawing/2014/main" xmlns="" id="{49AFA3BC-2111-0D40-8CDB-D02BC1839772}"/>
               </a:ext>
             </a:extLst>
           </p:cNvPr>
@@ -1236,7 +1236,7 @@
           <p:cNvPr id="10" name="Picture 9">
             <a:extLst>
               <a:ext uri="{FF2B5EF4-FFF2-40B4-BE49-F238E27FC236}">
-                <a16:creationId xmlns="" xmlns:a16="http://schemas.microsoft.com/office/drawing/2014/main" id="{3E633816-E054-8940-AF72-870913AF2214}"/>
+                <a16:creationId xmlns:a16="http://schemas.microsoft.com/office/drawing/2014/main" xmlns="" id="{3E633816-E054-8940-AF72-870913AF2214}"/>
               </a:ext>
             </a:extLst>
           </p:cNvPr>
@@ -1266,7 +1266,7 @@
           <p:cNvPr id="6" name="Parallelogram 5">
             <a:extLst>
               <a:ext uri="{FF2B5EF4-FFF2-40B4-BE49-F238E27FC236}">
-                <a16:creationId xmlns="" xmlns:a16="http://schemas.microsoft.com/office/drawing/2014/main" id="{8A924114-BABB-6746-9878-D1B4CE11052D}"/>
+                <a16:creationId xmlns:a16="http://schemas.microsoft.com/office/drawing/2014/main" xmlns="" id="{8A924114-BABB-6746-9878-D1B4CE11052D}"/>
               </a:ext>
             </a:extLst>
           </p:cNvPr>
@@ -1330,7 +1330,7 @@
           <p:cNvPr id="13" name="Text Placeholder 3">
             <a:extLst>
               <a:ext uri="{FF2B5EF4-FFF2-40B4-BE49-F238E27FC236}">
-                <a16:creationId xmlns="" xmlns:a16="http://schemas.microsoft.com/office/drawing/2014/main" id="{19FEBE34-6786-634C-97C1-F56667D4943E}"/>
+                <a16:creationId xmlns:a16="http://schemas.microsoft.com/office/drawing/2014/main" xmlns="" id="{19FEBE34-6786-634C-97C1-F56667D4943E}"/>
               </a:ext>
             </a:extLst>
           </p:cNvPr>
@@ -1406,7 +1406,7 @@
     </p:spTree>
     <p:extLst>
       <p:ext uri="{BB962C8B-B14F-4D97-AF65-F5344CB8AC3E}">
-        <p14:creationId xmlns="" xmlns:p14="http://schemas.microsoft.com/office/powerpoint/2010/main" val="1934555395"/>
+        <p14:creationId xmlns:p14="http://schemas.microsoft.com/office/powerpoint/2010/main" xmlns="" val="1934555395"/>
       </p:ext>
     </p:extLst>
   </p:cSld>
@@ -1414,7 +1414,7 @@
     <a:masterClrMapping/>
   </p:clrMapOvr>
   <mc:AlternateContent xmlns:mc="http://schemas.openxmlformats.org/markup-compatibility/2006">
-    <mc:Choice xmlns="" xmlns:p14="http://schemas.microsoft.com/office/powerpoint/2010/main" Requires="p14">
+    <mc:Choice xmlns:p14="http://schemas.microsoft.com/office/powerpoint/2010/main" xmlns="" Requires="p14">
       <p:transition spd="slow" p14:dur="2000" advClick="0" advTm="5000"/>
     </mc:Choice>
     <mc:Fallback>
@@ -1446,7 +1446,7 @@
           <p:cNvPr id="7" name="Picture 6">
             <a:extLst>
               <a:ext uri="{FF2B5EF4-FFF2-40B4-BE49-F238E27FC236}">
-                <a16:creationId xmlns="" xmlns:a16="http://schemas.microsoft.com/office/drawing/2014/main" id="{BCA450C1-58BE-6E4E-9CBF-0FB691FD755E}"/>
+                <a16:creationId xmlns:a16="http://schemas.microsoft.com/office/drawing/2014/main" xmlns="" id="{BCA450C1-58BE-6E4E-9CBF-0FB691FD755E}"/>
               </a:ext>
             </a:extLst>
           </p:cNvPr>
@@ -1476,7 +1476,7 @@
           <p:cNvPr id="14" name="Picture 13">
             <a:extLst>
               <a:ext uri="{FF2B5EF4-FFF2-40B4-BE49-F238E27FC236}">
-                <a16:creationId xmlns="" xmlns:a16="http://schemas.microsoft.com/office/drawing/2014/main" id="{0CFBEA58-BD22-D24F-B512-8BA514AB9008}"/>
+                <a16:creationId xmlns:a16="http://schemas.microsoft.com/office/drawing/2014/main" xmlns="" id="{0CFBEA58-BD22-D24F-B512-8BA514AB9008}"/>
               </a:ext>
             </a:extLst>
           </p:cNvPr>
@@ -1506,7 +1506,7 @@
           <p:cNvPr id="2" name="Title 1">
             <a:extLst>
               <a:ext uri="{FF2B5EF4-FFF2-40B4-BE49-F238E27FC236}">
-                <a16:creationId xmlns="" xmlns:a16="http://schemas.microsoft.com/office/drawing/2014/main" id="{31D28376-80FC-AA47-983D-5AA4ADF9D4A4}"/>
+                <a16:creationId xmlns:a16="http://schemas.microsoft.com/office/drawing/2014/main" xmlns="" id="{31D28376-80FC-AA47-983D-5AA4ADF9D4A4}"/>
               </a:ext>
             </a:extLst>
           </p:cNvPr>
@@ -1547,7 +1547,7 @@
           <p:cNvPr id="13" name="Text Placeholder 3">
             <a:extLst>
               <a:ext uri="{FF2B5EF4-FFF2-40B4-BE49-F238E27FC236}">
-                <a16:creationId xmlns="" xmlns:a16="http://schemas.microsoft.com/office/drawing/2014/main" id="{19FEBE34-6786-634C-97C1-F56667D4943E}"/>
+                <a16:creationId xmlns:a16="http://schemas.microsoft.com/office/drawing/2014/main" xmlns="" id="{19FEBE34-6786-634C-97C1-F56667D4943E}"/>
               </a:ext>
             </a:extLst>
           </p:cNvPr>
@@ -1625,7 +1625,7 @@
     </p:spTree>
     <p:extLst>
       <p:ext uri="{BB962C8B-B14F-4D97-AF65-F5344CB8AC3E}">
-        <p14:creationId xmlns="" xmlns:p14="http://schemas.microsoft.com/office/powerpoint/2010/main" val="3633923498"/>
+        <p14:creationId xmlns:p14="http://schemas.microsoft.com/office/powerpoint/2010/main" xmlns="" val="3633923498"/>
       </p:ext>
     </p:extLst>
   </p:cSld>
@@ -1633,7 +1633,7 @@
     <a:masterClrMapping/>
   </p:clrMapOvr>
   <mc:AlternateContent xmlns:mc="http://schemas.openxmlformats.org/markup-compatibility/2006">
-    <mc:Choice xmlns="" xmlns:p14="http://schemas.microsoft.com/office/powerpoint/2010/main" Requires="p14">
+    <mc:Choice xmlns:p14="http://schemas.microsoft.com/office/powerpoint/2010/main" xmlns="" Requires="p14">
       <p:transition spd="slow" p14:dur="2000" advClick="0" advTm="5000"/>
     </mc:Choice>
     <mc:Fallback>
@@ -1665,7 +1665,7 @@
           <p:cNvPr id="4" name="Picture 3">
             <a:extLst>
               <a:ext uri="{FF2B5EF4-FFF2-40B4-BE49-F238E27FC236}">
-                <a16:creationId xmlns="" xmlns:a16="http://schemas.microsoft.com/office/drawing/2014/main" id="{7216A11E-EB76-6A4D-AE29-9332E8815DF5}"/>
+                <a16:creationId xmlns:a16="http://schemas.microsoft.com/office/drawing/2014/main" xmlns="" id="{7216A11E-EB76-6A4D-AE29-9332E8815DF5}"/>
               </a:ext>
             </a:extLst>
           </p:cNvPr>
@@ -1695,7 +1695,7 @@
           <p:cNvPr id="14" name="Picture 13">
             <a:extLst>
               <a:ext uri="{FF2B5EF4-FFF2-40B4-BE49-F238E27FC236}">
-                <a16:creationId xmlns="" xmlns:a16="http://schemas.microsoft.com/office/drawing/2014/main" id="{05601A25-21DD-1E4D-AFB7-71CAFF449160}"/>
+                <a16:creationId xmlns:a16="http://schemas.microsoft.com/office/drawing/2014/main" xmlns="" id="{05601A25-21DD-1E4D-AFB7-71CAFF449160}"/>
               </a:ext>
             </a:extLst>
           </p:cNvPr>
@@ -1725,7 +1725,7 @@
           <p:cNvPr id="5" name="Slide Number Placeholder 4">
             <a:extLst>
               <a:ext uri="{FF2B5EF4-FFF2-40B4-BE49-F238E27FC236}">
-                <a16:creationId xmlns="" xmlns:a16="http://schemas.microsoft.com/office/drawing/2014/main" id="{E766DCC1-03BD-8D48-975F-E848D408E17A}"/>
+                <a16:creationId xmlns:a16="http://schemas.microsoft.com/office/drawing/2014/main" xmlns="" id="{E766DCC1-03BD-8D48-975F-E848D408E17A}"/>
               </a:ext>
             </a:extLst>
           </p:cNvPr>
@@ -1768,7 +1768,7 @@
           <p:cNvPr id="13" name="Picture 12">
             <a:extLst>
               <a:ext uri="{FF2B5EF4-FFF2-40B4-BE49-F238E27FC236}">
-                <a16:creationId xmlns="" xmlns:a16="http://schemas.microsoft.com/office/drawing/2014/main" id="{0FC8616F-1480-6F40-B21A-CC2BA2C45BED}"/>
+                <a16:creationId xmlns:a16="http://schemas.microsoft.com/office/drawing/2014/main" xmlns="" id="{0FC8616F-1480-6F40-B21A-CC2BA2C45BED}"/>
               </a:ext>
             </a:extLst>
           </p:cNvPr>
@@ -1798,7 +1798,7 @@
           <p:cNvPr id="8" name="Text Placeholder 3">
             <a:extLst>
               <a:ext uri="{FF2B5EF4-FFF2-40B4-BE49-F238E27FC236}">
-                <a16:creationId xmlns="" xmlns:a16="http://schemas.microsoft.com/office/drawing/2014/main" id="{28EA1C4D-6527-1A41-B80D-82366B12758F}"/>
+                <a16:creationId xmlns:a16="http://schemas.microsoft.com/office/drawing/2014/main" xmlns="" id="{28EA1C4D-6527-1A41-B80D-82366B12758F}"/>
               </a:ext>
             </a:extLst>
           </p:cNvPr>
@@ -1891,7 +1891,7 @@
           <p:cNvPr id="9" name="Text Placeholder 3">
             <a:extLst>
               <a:ext uri="{FF2B5EF4-FFF2-40B4-BE49-F238E27FC236}">
-                <a16:creationId xmlns="" xmlns:a16="http://schemas.microsoft.com/office/drawing/2014/main" id="{C9953FA3-FF52-2645-8039-6B173888D710}"/>
+                <a16:creationId xmlns:a16="http://schemas.microsoft.com/office/drawing/2014/main" xmlns="" id="{C9953FA3-FF52-2645-8039-6B173888D710}"/>
               </a:ext>
             </a:extLst>
           </p:cNvPr>
@@ -1973,7 +1973,7 @@
           <p:cNvPr id="10" name="Title 1">
             <a:extLst>
               <a:ext uri="{FF2B5EF4-FFF2-40B4-BE49-F238E27FC236}">
-                <a16:creationId xmlns="" xmlns:a16="http://schemas.microsoft.com/office/drawing/2014/main" id="{4AE68015-0AAC-0C46-8F76-36477CC385DE}"/>
+                <a16:creationId xmlns:a16="http://schemas.microsoft.com/office/drawing/2014/main" xmlns="" id="{4AE68015-0AAC-0C46-8F76-36477CC385DE}"/>
               </a:ext>
             </a:extLst>
           </p:cNvPr>
@@ -2016,7 +2016,7 @@
           <p:cNvPr id="11" name="Text Placeholder 3">
             <a:extLst>
               <a:ext uri="{FF2B5EF4-FFF2-40B4-BE49-F238E27FC236}">
-                <a16:creationId xmlns="" xmlns:a16="http://schemas.microsoft.com/office/drawing/2014/main" id="{169BBA5D-EECF-4043-90D1-DD6BB50A5390}"/>
+                <a16:creationId xmlns:a16="http://schemas.microsoft.com/office/drawing/2014/main" xmlns="" id="{169BBA5D-EECF-4043-90D1-DD6BB50A5390}"/>
               </a:ext>
             </a:extLst>
           </p:cNvPr>
@@ -2093,7 +2093,7 @@
     </p:spTree>
     <p:extLst>
       <p:ext uri="{BB962C8B-B14F-4D97-AF65-F5344CB8AC3E}">
-        <p14:creationId xmlns="" xmlns:p14="http://schemas.microsoft.com/office/powerpoint/2010/main" val="3416040107"/>
+        <p14:creationId xmlns:p14="http://schemas.microsoft.com/office/powerpoint/2010/main" xmlns="" val="3416040107"/>
       </p:ext>
     </p:extLst>
   </p:cSld>
@@ -2101,7 +2101,7 @@
     <a:masterClrMapping/>
   </p:clrMapOvr>
   <mc:AlternateContent xmlns:mc="http://schemas.openxmlformats.org/markup-compatibility/2006">
-    <mc:Choice xmlns="" xmlns:p14="http://schemas.microsoft.com/office/powerpoint/2010/main" Requires="p14">
+    <mc:Choice xmlns:p14="http://schemas.microsoft.com/office/powerpoint/2010/main" xmlns="" Requires="p14">
       <p:transition spd="slow" p14:dur="2000" advClick="0" advTm="5000"/>
     </mc:Choice>
     <mc:Fallback>
@@ -2133,7 +2133,7 @@
           <p:cNvPr id="7" name="Picture 6">
             <a:extLst>
               <a:ext uri="{FF2B5EF4-FFF2-40B4-BE49-F238E27FC236}">
-                <a16:creationId xmlns="" xmlns:a16="http://schemas.microsoft.com/office/drawing/2014/main" id="{A4D44DAB-CF6D-0148-B76F-DB4FDFF7BE3C}"/>
+                <a16:creationId xmlns:a16="http://schemas.microsoft.com/office/drawing/2014/main" xmlns="" id="{A4D44DAB-CF6D-0148-B76F-DB4FDFF7BE3C}"/>
               </a:ext>
             </a:extLst>
           </p:cNvPr>
@@ -2163,7 +2163,7 @@
           <p:cNvPr id="14" name="Picture 13">
             <a:extLst>
               <a:ext uri="{FF2B5EF4-FFF2-40B4-BE49-F238E27FC236}">
-                <a16:creationId xmlns="" xmlns:a16="http://schemas.microsoft.com/office/drawing/2014/main" id="{05601A25-21DD-1E4D-AFB7-71CAFF449160}"/>
+                <a16:creationId xmlns:a16="http://schemas.microsoft.com/office/drawing/2014/main" xmlns="" id="{05601A25-21DD-1E4D-AFB7-71CAFF449160}"/>
               </a:ext>
             </a:extLst>
           </p:cNvPr>
@@ -2193,7 +2193,7 @@
           <p:cNvPr id="5" name="Slide Number Placeholder 4">
             <a:extLst>
               <a:ext uri="{FF2B5EF4-FFF2-40B4-BE49-F238E27FC236}">
-                <a16:creationId xmlns="" xmlns:a16="http://schemas.microsoft.com/office/drawing/2014/main" id="{E766DCC1-03BD-8D48-975F-E848D408E17A}"/>
+                <a16:creationId xmlns:a16="http://schemas.microsoft.com/office/drawing/2014/main" xmlns="" id="{E766DCC1-03BD-8D48-975F-E848D408E17A}"/>
               </a:ext>
             </a:extLst>
           </p:cNvPr>
@@ -2236,7 +2236,7 @@
           <p:cNvPr id="13" name="Picture 12">
             <a:extLst>
               <a:ext uri="{FF2B5EF4-FFF2-40B4-BE49-F238E27FC236}">
-                <a16:creationId xmlns="" xmlns:a16="http://schemas.microsoft.com/office/drawing/2014/main" id="{0FC8616F-1480-6F40-B21A-CC2BA2C45BED}"/>
+                <a16:creationId xmlns:a16="http://schemas.microsoft.com/office/drawing/2014/main" xmlns="" id="{0FC8616F-1480-6F40-B21A-CC2BA2C45BED}"/>
               </a:ext>
             </a:extLst>
           </p:cNvPr>
@@ -2266,7 +2266,7 @@
           <p:cNvPr id="8" name="Text Placeholder 3">
             <a:extLst>
               <a:ext uri="{FF2B5EF4-FFF2-40B4-BE49-F238E27FC236}">
-                <a16:creationId xmlns="" xmlns:a16="http://schemas.microsoft.com/office/drawing/2014/main" id="{28EA1C4D-6527-1A41-B80D-82366B12758F}"/>
+                <a16:creationId xmlns:a16="http://schemas.microsoft.com/office/drawing/2014/main" xmlns="" id="{28EA1C4D-6527-1A41-B80D-82366B12758F}"/>
               </a:ext>
             </a:extLst>
           </p:cNvPr>
@@ -2359,7 +2359,7 @@
           <p:cNvPr id="10" name="Title 1">
             <a:extLst>
               <a:ext uri="{FF2B5EF4-FFF2-40B4-BE49-F238E27FC236}">
-                <a16:creationId xmlns="" xmlns:a16="http://schemas.microsoft.com/office/drawing/2014/main" id="{4AE68015-0AAC-0C46-8F76-36477CC385DE}"/>
+                <a16:creationId xmlns:a16="http://schemas.microsoft.com/office/drawing/2014/main" xmlns="" id="{4AE68015-0AAC-0C46-8F76-36477CC385DE}"/>
               </a:ext>
             </a:extLst>
           </p:cNvPr>
@@ -2402,7 +2402,7 @@
           <p:cNvPr id="11" name="Text Placeholder 3">
             <a:extLst>
               <a:ext uri="{FF2B5EF4-FFF2-40B4-BE49-F238E27FC236}">
-                <a16:creationId xmlns="" xmlns:a16="http://schemas.microsoft.com/office/drawing/2014/main" id="{169BBA5D-EECF-4043-90D1-DD6BB50A5390}"/>
+                <a16:creationId xmlns:a16="http://schemas.microsoft.com/office/drawing/2014/main" xmlns="" id="{169BBA5D-EECF-4043-90D1-DD6BB50A5390}"/>
               </a:ext>
             </a:extLst>
           </p:cNvPr>
@@ -2479,7 +2479,7 @@
     </p:spTree>
     <p:extLst>
       <p:ext uri="{BB962C8B-B14F-4D97-AF65-F5344CB8AC3E}">
-        <p14:creationId xmlns="" xmlns:p14="http://schemas.microsoft.com/office/powerpoint/2010/main" val="42572479"/>
+        <p14:creationId xmlns:p14="http://schemas.microsoft.com/office/powerpoint/2010/main" xmlns="" val="42572479"/>
       </p:ext>
     </p:extLst>
   </p:cSld>
@@ -2487,7 +2487,7 @@
     <a:masterClrMapping/>
   </p:clrMapOvr>
   <mc:AlternateContent xmlns:mc="http://schemas.openxmlformats.org/markup-compatibility/2006">
-    <mc:Choice xmlns="" xmlns:p14="http://schemas.microsoft.com/office/powerpoint/2010/main" Requires="p14">
+    <mc:Choice xmlns:p14="http://schemas.microsoft.com/office/powerpoint/2010/main" xmlns="" Requires="p14">
       <p:transition spd="slow" p14:dur="2000" advClick="0" advTm="5000"/>
     </mc:Choice>
     <mc:Fallback>
@@ -2519,7 +2519,7 @@
           <p:cNvPr id="14" name="Picture 13">
             <a:extLst>
               <a:ext uri="{FF2B5EF4-FFF2-40B4-BE49-F238E27FC236}">
-                <a16:creationId xmlns="" xmlns:a16="http://schemas.microsoft.com/office/drawing/2014/main" id="{C7A97301-F55A-4C46-8CF8-5B32F4872318}"/>
+                <a16:creationId xmlns:a16="http://schemas.microsoft.com/office/drawing/2014/main" xmlns="" id="{C7A97301-F55A-4C46-8CF8-5B32F4872318}"/>
               </a:ext>
             </a:extLst>
           </p:cNvPr>
@@ -2549,7 +2549,7 @@
           <p:cNvPr id="5" name="Slide Number Placeholder 4">
             <a:extLst>
               <a:ext uri="{FF2B5EF4-FFF2-40B4-BE49-F238E27FC236}">
-                <a16:creationId xmlns="" xmlns:a16="http://schemas.microsoft.com/office/drawing/2014/main" id="{E766DCC1-03BD-8D48-975F-E848D408E17A}"/>
+                <a16:creationId xmlns:a16="http://schemas.microsoft.com/office/drawing/2014/main" xmlns="" id="{E766DCC1-03BD-8D48-975F-E848D408E17A}"/>
               </a:ext>
             </a:extLst>
           </p:cNvPr>
@@ -2592,7 +2592,7 @@
           <p:cNvPr id="13" name="Picture 12">
             <a:extLst>
               <a:ext uri="{FF2B5EF4-FFF2-40B4-BE49-F238E27FC236}">
-                <a16:creationId xmlns="" xmlns:a16="http://schemas.microsoft.com/office/drawing/2014/main" id="{0FC8616F-1480-6F40-B21A-CC2BA2C45BED}"/>
+                <a16:creationId xmlns:a16="http://schemas.microsoft.com/office/drawing/2014/main" xmlns="" id="{0FC8616F-1480-6F40-B21A-CC2BA2C45BED}"/>
               </a:ext>
             </a:extLst>
           </p:cNvPr>
@@ -2622,7 +2622,7 @@
           <p:cNvPr id="8" name="Text Placeholder 3">
             <a:extLst>
               <a:ext uri="{FF2B5EF4-FFF2-40B4-BE49-F238E27FC236}">
-                <a16:creationId xmlns="" xmlns:a16="http://schemas.microsoft.com/office/drawing/2014/main" id="{28EA1C4D-6527-1A41-B80D-82366B12758F}"/>
+                <a16:creationId xmlns:a16="http://schemas.microsoft.com/office/drawing/2014/main" xmlns="" id="{28EA1C4D-6527-1A41-B80D-82366B12758F}"/>
               </a:ext>
             </a:extLst>
           </p:cNvPr>
@@ -2715,7 +2715,7 @@
           <p:cNvPr id="9" name="Text Placeholder 3">
             <a:extLst>
               <a:ext uri="{FF2B5EF4-FFF2-40B4-BE49-F238E27FC236}">
-                <a16:creationId xmlns="" xmlns:a16="http://schemas.microsoft.com/office/drawing/2014/main" id="{C9953FA3-FF52-2645-8039-6B173888D710}"/>
+                <a16:creationId xmlns:a16="http://schemas.microsoft.com/office/drawing/2014/main" xmlns="" id="{C9953FA3-FF52-2645-8039-6B173888D710}"/>
               </a:ext>
             </a:extLst>
           </p:cNvPr>
@@ -2797,7 +2797,7 @@
           <p:cNvPr id="10" name="Title 1">
             <a:extLst>
               <a:ext uri="{FF2B5EF4-FFF2-40B4-BE49-F238E27FC236}">
-                <a16:creationId xmlns="" xmlns:a16="http://schemas.microsoft.com/office/drawing/2014/main" id="{4AE68015-0AAC-0C46-8F76-36477CC385DE}"/>
+                <a16:creationId xmlns:a16="http://schemas.microsoft.com/office/drawing/2014/main" xmlns="" id="{4AE68015-0AAC-0C46-8F76-36477CC385DE}"/>
               </a:ext>
             </a:extLst>
           </p:cNvPr>
@@ -2840,7 +2840,7 @@
           <p:cNvPr id="11" name="Text Placeholder 3">
             <a:extLst>
               <a:ext uri="{FF2B5EF4-FFF2-40B4-BE49-F238E27FC236}">
-                <a16:creationId xmlns="" xmlns:a16="http://schemas.microsoft.com/office/drawing/2014/main" id="{169BBA5D-EECF-4043-90D1-DD6BB50A5390}"/>
+                <a16:creationId xmlns:a16="http://schemas.microsoft.com/office/drawing/2014/main" xmlns="" id="{169BBA5D-EECF-4043-90D1-DD6BB50A5390}"/>
               </a:ext>
             </a:extLst>
           </p:cNvPr>
@@ -2917,7 +2917,7 @@
     </p:spTree>
     <p:extLst>
       <p:ext uri="{BB962C8B-B14F-4D97-AF65-F5344CB8AC3E}">
-        <p14:creationId xmlns="" xmlns:p14="http://schemas.microsoft.com/office/powerpoint/2010/main" val="2804536604"/>
+        <p14:creationId xmlns:p14="http://schemas.microsoft.com/office/powerpoint/2010/main" xmlns="" val="2804536604"/>
       </p:ext>
     </p:extLst>
   </p:cSld>
@@ -2925,7 +2925,7 @@
     <a:masterClrMapping/>
   </p:clrMapOvr>
   <mc:AlternateContent xmlns:mc="http://schemas.openxmlformats.org/markup-compatibility/2006">
-    <mc:Choice xmlns="" xmlns:p14="http://schemas.microsoft.com/office/powerpoint/2010/main" Requires="p14">
+    <mc:Choice xmlns:p14="http://schemas.microsoft.com/office/powerpoint/2010/main" xmlns="" Requires="p14">
       <p:transition spd="slow" p14:dur="2000" advClick="0" advTm="5000"/>
     </mc:Choice>
     <mc:Fallback>
@@ -2957,7 +2957,7 @@
           <p:cNvPr id="4" name="Picture 3">
             <a:extLst>
               <a:ext uri="{FF2B5EF4-FFF2-40B4-BE49-F238E27FC236}">
-                <a16:creationId xmlns="" xmlns:a16="http://schemas.microsoft.com/office/drawing/2014/main" id="{62DB0137-4B83-6740-9717-4074AFAED09F}"/>
+                <a16:creationId xmlns:a16="http://schemas.microsoft.com/office/drawing/2014/main" xmlns="" id="{62DB0137-4B83-6740-9717-4074AFAED09F}"/>
               </a:ext>
             </a:extLst>
           </p:cNvPr>
@@ -2987,7 +2987,7 @@
           <p:cNvPr id="12" name="Slide Number Placeholder 4">
             <a:extLst>
               <a:ext uri="{FF2B5EF4-FFF2-40B4-BE49-F238E27FC236}">
-                <a16:creationId xmlns="" xmlns:a16="http://schemas.microsoft.com/office/drawing/2014/main" id="{A2C3A02E-F82F-EB4D-AA11-F0AB465E4529}"/>
+                <a16:creationId xmlns:a16="http://schemas.microsoft.com/office/drawing/2014/main" xmlns="" id="{A2C3A02E-F82F-EB4D-AA11-F0AB465E4529}"/>
               </a:ext>
             </a:extLst>
           </p:cNvPr>
@@ -3030,7 +3030,7 @@
           <p:cNvPr id="9" name="Picture 8">
             <a:extLst>
               <a:ext uri="{FF2B5EF4-FFF2-40B4-BE49-F238E27FC236}">
-                <a16:creationId xmlns="" xmlns:a16="http://schemas.microsoft.com/office/drawing/2014/main" id="{59D77EAE-7535-D344-A09B-3EC1D6BA9399}"/>
+                <a16:creationId xmlns:a16="http://schemas.microsoft.com/office/drawing/2014/main" xmlns="" id="{59D77EAE-7535-D344-A09B-3EC1D6BA9399}"/>
               </a:ext>
             </a:extLst>
           </p:cNvPr>
@@ -3060,7 +3060,7 @@
           <p:cNvPr id="13" name="Title 1">
             <a:extLst>
               <a:ext uri="{FF2B5EF4-FFF2-40B4-BE49-F238E27FC236}">
-                <a16:creationId xmlns="" xmlns:a16="http://schemas.microsoft.com/office/drawing/2014/main" id="{2258039E-D7E6-874C-986C-F6066D55B1D5}"/>
+                <a16:creationId xmlns:a16="http://schemas.microsoft.com/office/drawing/2014/main" xmlns="" id="{2258039E-D7E6-874C-986C-F6066D55B1D5}"/>
               </a:ext>
             </a:extLst>
           </p:cNvPr>
@@ -3101,7 +3101,7 @@
     </p:spTree>
     <p:extLst>
       <p:ext uri="{BB962C8B-B14F-4D97-AF65-F5344CB8AC3E}">
-        <p14:creationId xmlns="" xmlns:p14="http://schemas.microsoft.com/office/powerpoint/2010/main" val="600747958"/>
+        <p14:creationId xmlns:p14="http://schemas.microsoft.com/office/powerpoint/2010/main" xmlns="" val="600747958"/>
       </p:ext>
     </p:extLst>
   </p:cSld>
@@ -3109,7 +3109,7 @@
     <a:masterClrMapping/>
   </p:clrMapOvr>
   <mc:AlternateContent xmlns:mc="http://schemas.openxmlformats.org/markup-compatibility/2006">
-    <mc:Choice xmlns="" xmlns:p14="http://schemas.microsoft.com/office/powerpoint/2010/main" Requires="p14">
+    <mc:Choice xmlns:p14="http://schemas.microsoft.com/office/powerpoint/2010/main" xmlns="" Requires="p14">
       <p:transition spd="slow" p14:dur="2000" advClick="0" advTm="5000"/>
     </mc:Choice>
     <mc:Fallback>
@@ -3141,7 +3141,7 @@
           <p:cNvPr id="4" name="Picture 3">
             <a:extLst>
               <a:ext uri="{FF2B5EF4-FFF2-40B4-BE49-F238E27FC236}">
-                <a16:creationId xmlns="" xmlns:a16="http://schemas.microsoft.com/office/drawing/2014/main" id="{62DB0137-4B83-6740-9717-4074AFAED09F}"/>
+                <a16:creationId xmlns:a16="http://schemas.microsoft.com/office/drawing/2014/main" xmlns="" id="{62DB0137-4B83-6740-9717-4074AFAED09F}"/>
               </a:ext>
             </a:extLst>
           </p:cNvPr>
@@ -3171,7 +3171,7 @@
           <p:cNvPr id="12" name="Slide Number Placeholder 4">
             <a:extLst>
               <a:ext uri="{FF2B5EF4-FFF2-40B4-BE49-F238E27FC236}">
-                <a16:creationId xmlns="" xmlns:a16="http://schemas.microsoft.com/office/drawing/2014/main" id="{A2C3A02E-F82F-EB4D-AA11-F0AB465E4529}"/>
+                <a16:creationId xmlns:a16="http://schemas.microsoft.com/office/drawing/2014/main" xmlns="" id="{A2C3A02E-F82F-EB4D-AA11-F0AB465E4529}"/>
               </a:ext>
             </a:extLst>
           </p:cNvPr>
@@ -3214,7 +3214,7 @@
           <p:cNvPr id="9" name="Picture 8">
             <a:extLst>
               <a:ext uri="{FF2B5EF4-FFF2-40B4-BE49-F238E27FC236}">
-                <a16:creationId xmlns="" xmlns:a16="http://schemas.microsoft.com/office/drawing/2014/main" id="{59D77EAE-7535-D344-A09B-3EC1D6BA9399}"/>
+                <a16:creationId xmlns:a16="http://schemas.microsoft.com/office/drawing/2014/main" xmlns="" id="{59D77EAE-7535-D344-A09B-3EC1D6BA9399}"/>
               </a:ext>
             </a:extLst>
           </p:cNvPr>
@@ -3244,7 +3244,7 @@
           <p:cNvPr id="13" name="Title 1">
             <a:extLst>
               <a:ext uri="{FF2B5EF4-FFF2-40B4-BE49-F238E27FC236}">
-                <a16:creationId xmlns="" xmlns:a16="http://schemas.microsoft.com/office/drawing/2014/main" id="{2258039E-D7E6-874C-986C-F6066D55B1D5}"/>
+                <a16:creationId xmlns:a16="http://schemas.microsoft.com/office/drawing/2014/main" xmlns="" id="{2258039E-D7E6-874C-986C-F6066D55B1D5}"/>
               </a:ext>
             </a:extLst>
           </p:cNvPr>
@@ -3287,7 +3287,7 @@
           <p:cNvPr id="3" name="Chart Placeholder 2">
             <a:extLst>
               <a:ext uri="{FF2B5EF4-FFF2-40B4-BE49-F238E27FC236}">
-                <a16:creationId xmlns="" xmlns:a16="http://schemas.microsoft.com/office/drawing/2014/main" id="{4F5843D8-3A8D-C34A-B877-27577E457994}"/>
+                <a16:creationId xmlns:a16="http://schemas.microsoft.com/office/drawing/2014/main" xmlns="" id="{4F5843D8-3A8D-C34A-B877-27577E457994}"/>
               </a:ext>
             </a:extLst>
           </p:cNvPr>
@@ -3318,7 +3318,7 @@
     </p:spTree>
     <p:extLst>
       <p:ext uri="{BB962C8B-B14F-4D97-AF65-F5344CB8AC3E}">
-        <p14:creationId xmlns="" xmlns:p14="http://schemas.microsoft.com/office/powerpoint/2010/main" val="3926419513"/>
+        <p14:creationId xmlns:p14="http://schemas.microsoft.com/office/powerpoint/2010/main" xmlns="" val="3926419513"/>
       </p:ext>
     </p:extLst>
   </p:cSld>
@@ -3326,7 +3326,7 @@
     <a:masterClrMapping/>
   </p:clrMapOvr>
   <mc:AlternateContent xmlns:mc="http://schemas.openxmlformats.org/markup-compatibility/2006">
-    <mc:Choice xmlns="" xmlns:p14="http://schemas.microsoft.com/office/powerpoint/2010/main" Requires="p14">
+    <mc:Choice xmlns:p14="http://schemas.microsoft.com/office/powerpoint/2010/main" xmlns="" Requires="p14">
       <p:transition spd="slow" p14:dur="2000" advClick="0" advTm="5000"/>
     </mc:Choice>
     <mc:Fallback>
@@ -3358,7 +3358,7 @@
           <p:cNvPr id="4" name="Picture 3">
             <a:extLst>
               <a:ext uri="{FF2B5EF4-FFF2-40B4-BE49-F238E27FC236}">
-                <a16:creationId xmlns="" xmlns:a16="http://schemas.microsoft.com/office/drawing/2014/main" id="{62DB0137-4B83-6740-9717-4074AFAED09F}"/>
+                <a16:creationId xmlns:a16="http://schemas.microsoft.com/office/drawing/2014/main" xmlns="" id="{62DB0137-4B83-6740-9717-4074AFAED09F}"/>
               </a:ext>
             </a:extLst>
           </p:cNvPr>
@@ -3388,7 +3388,7 @@
           <p:cNvPr id="12" name="Slide Number Placeholder 4">
             <a:extLst>
               <a:ext uri="{FF2B5EF4-FFF2-40B4-BE49-F238E27FC236}">
-                <a16:creationId xmlns="" xmlns:a16="http://schemas.microsoft.com/office/drawing/2014/main" id="{A2C3A02E-F82F-EB4D-AA11-F0AB465E4529}"/>
+                <a16:creationId xmlns:a16="http://schemas.microsoft.com/office/drawing/2014/main" xmlns="" id="{A2C3A02E-F82F-EB4D-AA11-F0AB465E4529}"/>
               </a:ext>
             </a:extLst>
           </p:cNvPr>
@@ -3431,7 +3431,7 @@
           <p:cNvPr id="9" name="Picture 8">
             <a:extLst>
               <a:ext uri="{FF2B5EF4-FFF2-40B4-BE49-F238E27FC236}">
-                <a16:creationId xmlns="" xmlns:a16="http://schemas.microsoft.com/office/drawing/2014/main" id="{59D77EAE-7535-D344-A09B-3EC1D6BA9399}"/>
+                <a16:creationId xmlns:a16="http://schemas.microsoft.com/office/drawing/2014/main" xmlns="" id="{59D77EAE-7535-D344-A09B-3EC1D6BA9399}"/>
               </a:ext>
             </a:extLst>
           </p:cNvPr>
@@ -3461,7 +3461,7 @@
           <p:cNvPr id="13" name="Title 1">
             <a:extLst>
               <a:ext uri="{FF2B5EF4-FFF2-40B4-BE49-F238E27FC236}">
-                <a16:creationId xmlns="" xmlns:a16="http://schemas.microsoft.com/office/drawing/2014/main" id="{2258039E-D7E6-874C-986C-F6066D55B1D5}"/>
+                <a16:creationId xmlns:a16="http://schemas.microsoft.com/office/drawing/2014/main" xmlns="" id="{2258039E-D7E6-874C-986C-F6066D55B1D5}"/>
               </a:ext>
             </a:extLst>
           </p:cNvPr>
@@ -3504,7 +3504,7 @@
           <p:cNvPr id="5" name="Table Placeholder 4">
             <a:extLst>
               <a:ext uri="{FF2B5EF4-FFF2-40B4-BE49-F238E27FC236}">
-                <a16:creationId xmlns="" xmlns:a16="http://schemas.microsoft.com/office/drawing/2014/main" id="{7CF49F7B-6D68-A545-98FE-22FBD56818DB}"/>
+                <a16:creationId xmlns:a16="http://schemas.microsoft.com/office/drawing/2014/main" xmlns="" id="{7CF49F7B-6D68-A545-98FE-22FBD56818DB}"/>
               </a:ext>
             </a:extLst>
           </p:cNvPr>
@@ -3535,7 +3535,7 @@
     </p:spTree>
     <p:extLst>
       <p:ext uri="{BB962C8B-B14F-4D97-AF65-F5344CB8AC3E}">
-        <p14:creationId xmlns="" xmlns:p14="http://schemas.microsoft.com/office/powerpoint/2010/main" val="233726489"/>
+        <p14:creationId xmlns:p14="http://schemas.microsoft.com/office/powerpoint/2010/main" xmlns="" val="233726489"/>
       </p:ext>
     </p:extLst>
   </p:cSld>
@@ -3543,7 +3543,7 @@
     <a:masterClrMapping/>
   </p:clrMapOvr>
   <mc:AlternateContent xmlns:mc="http://schemas.openxmlformats.org/markup-compatibility/2006">
-    <mc:Choice xmlns="" xmlns:p14="http://schemas.microsoft.com/office/powerpoint/2010/main" Requires="p14">
+    <mc:Choice xmlns:p14="http://schemas.microsoft.com/office/powerpoint/2010/main" xmlns="" Requires="p14">
       <p:transition spd="slow" p14:dur="2000" advClick="0" advTm="5000"/>
     </mc:Choice>
     <mc:Fallback>
@@ -3580,7 +3580,7 @@
           <p:cNvPr id="2" name="Title Placeholder 1">
             <a:extLst>
               <a:ext uri="{FF2B5EF4-FFF2-40B4-BE49-F238E27FC236}">
-                <a16:creationId xmlns="" xmlns:a16="http://schemas.microsoft.com/office/drawing/2014/main" id="{3A821DDA-2F75-B143-93FB-2C358175036C}"/>
+                <a16:creationId xmlns:a16="http://schemas.microsoft.com/office/drawing/2014/main" xmlns="" id="{3A821DDA-2F75-B143-93FB-2C358175036C}"/>
               </a:ext>
             </a:extLst>
           </p:cNvPr>
@@ -3618,7 +3618,7 @@
           <p:cNvPr id="3" name="Text Placeholder 2">
             <a:extLst>
               <a:ext uri="{FF2B5EF4-FFF2-40B4-BE49-F238E27FC236}">
-                <a16:creationId xmlns="" xmlns:a16="http://schemas.microsoft.com/office/drawing/2014/main" id="{E024324D-5F1C-BD43-893B-DCFD6AE03280}"/>
+                <a16:creationId xmlns:a16="http://schemas.microsoft.com/office/drawing/2014/main" xmlns="" id="{E024324D-5F1C-BD43-893B-DCFD6AE03280}"/>
               </a:ext>
             </a:extLst>
           </p:cNvPr>
@@ -3685,7 +3685,7 @@
           <p:cNvPr id="4" name="Date Placeholder 3">
             <a:extLst>
               <a:ext uri="{FF2B5EF4-FFF2-40B4-BE49-F238E27FC236}">
-                <a16:creationId xmlns="" xmlns:a16="http://schemas.microsoft.com/office/drawing/2014/main" id="{D53771CD-33AE-C044-A1CC-79B8BB845347}"/>
+                <a16:creationId xmlns:a16="http://schemas.microsoft.com/office/drawing/2014/main" xmlns="" id="{D53771CD-33AE-C044-A1CC-79B8BB845347}"/>
               </a:ext>
             </a:extLst>
           </p:cNvPr>
@@ -3722,7 +3722,7 @@
             <a:fld id="{FBF4D725-7178-D948-AA3E-6F5F17353337}" type="datetimeFigureOut">
               <a:rPr lang="en-US" smtClean="0"/>
               <a:pPr/>
-              <a:t>10/16/2024</a:t>
+              <a:t>10/30/2024</a:t>
             </a:fld>
             <a:endParaRPr lang="en-US"/>
           </a:p>
@@ -3733,7 +3733,7 @@
           <p:cNvPr id="5" name="Footer Placeholder 4">
             <a:extLst>
               <a:ext uri="{FF2B5EF4-FFF2-40B4-BE49-F238E27FC236}">
-                <a16:creationId xmlns="" xmlns:a16="http://schemas.microsoft.com/office/drawing/2014/main" id="{F8AD8ECD-8EE4-DE41-8FFF-8830B5D20348}"/>
+                <a16:creationId xmlns:a16="http://schemas.microsoft.com/office/drawing/2014/main" xmlns="" id="{F8AD8ECD-8EE4-DE41-8FFF-8830B5D20348}"/>
               </a:ext>
             </a:extLst>
           </p:cNvPr>
@@ -3776,7 +3776,7 @@
           <p:cNvPr id="6" name="Slide Number Placeholder 5">
             <a:extLst>
               <a:ext uri="{FF2B5EF4-FFF2-40B4-BE49-F238E27FC236}">
-                <a16:creationId xmlns="" xmlns:a16="http://schemas.microsoft.com/office/drawing/2014/main" id="{0DAC8B92-5CED-9747-9449-501492DBB804}"/>
+                <a16:creationId xmlns:a16="http://schemas.microsoft.com/office/drawing/2014/main" xmlns="" id="{0DAC8B92-5CED-9747-9449-501492DBB804}"/>
               </a:ext>
             </a:extLst>
           </p:cNvPr>
@@ -3822,7 +3822,7 @@
     </p:spTree>
     <p:extLst>
       <p:ext uri="{BB962C8B-B14F-4D97-AF65-F5344CB8AC3E}">
-        <p14:creationId xmlns="" xmlns:p14="http://schemas.microsoft.com/office/powerpoint/2010/main" val="3457181485"/>
+        <p14:creationId xmlns:p14="http://schemas.microsoft.com/office/powerpoint/2010/main" xmlns="" val="3457181485"/>
       </p:ext>
     </p:extLst>
   </p:cSld>
@@ -3839,7 +3839,7 @@
     <p:sldLayoutId id="2147483699" r:id="rId9"/>
   </p:sldLayoutIdLst>
   <mc:AlternateContent xmlns:mc="http://schemas.openxmlformats.org/markup-compatibility/2006">
-    <mc:Choice xmlns="" xmlns:p14="http://schemas.microsoft.com/office/powerpoint/2010/main" Requires="p14">
+    <mc:Choice xmlns:p14="http://schemas.microsoft.com/office/powerpoint/2010/main" xmlns="" Requires="p14">
       <p:transition spd="slow" p14:dur="2000" advClick="0" advTm="5000"/>
     </mc:Choice>
     <mc:Fallback>
@@ -4151,7 +4151,7 @@
           <p:cNvPr id="4" name="Title 3">
             <a:extLst>
               <a:ext uri="{FF2B5EF4-FFF2-40B4-BE49-F238E27FC236}">
-                <a16:creationId xmlns="" xmlns:a16="http://schemas.microsoft.com/office/drawing/2014/main" id="{C5E0BE0D-6E7F-CB36-BF6E-CB3FAB9AA219}"/>
+                <a16:creationId xmlns:a16="http://schemas.microsoft.com/office/drawing/2014/main" xmlns="" id="{C5E0BE0D-6E7F-CB36-BF6E-CB3FAB9AA219}"/>
               </a:ext>
             </a:extLst>
           </p:cNvPr>
@@ -4188,7 +4188,7 @@
           <p:cNvPr id="5" name="Text Placeholder 4">
             <a:extLst>
               <a:ext uri="{FF2B5EF4-FFF2-40B4-BE49-F238E27FC236}">
-                <a16:creationId xmlns="" xmlns:a16="http://schemas.microsoft.com/office/drawing/2014/main" id="{AEF7E49F-30CC-3ECE-B466-6B2A76D17BCA}"/>
+                <a16:creationId xmlns:a16="http://schemas.microsoft.com/office/drawing/2014/main" xmlns="" id="{AEF7E49F-30CC-3ECE-B466-6B2A76D17BCA}"/>
               </a:ext>
             </a:extLst>
           </p:cNvPr>
@@ -4215,7 +4215,7 @@
     </p:spTree>
     <p:extLst>
       <p:ext uri="{BB962C8B-B14F-4D97-AF65-F5344CB8AC3E}">
-        <p14:creationId xmlns="" xmlns:p14="http://schemas.microsoft.com/office/powerpoint/2010/main" val="3323279844"/>
+        <p14:creationId xmlns:p14="http://schemas.microsoft.com/office/powerpoint/2010/main" xmlns="" val="3323279844"/>
       </p:ext>
     </p:extLst>
   </p:cSld>
@@ -4223,7 +4223,7 @@
     <a:masterClrMapping/>
   </p:clrMapOvr>
   <mc:AlternateContent xmlns:mc="http://schemas.openxmlformats.org/markup-compatibility/2006">
-    <mc:Choice xmlns="" xmlns:p14="http://schemas.microsoft.com/office/powerpoint/2010/main" Requires="p14">
+    <mc:Choice xmlns:p14="http://schemas.microsoft.com/office/powerpoint/2010/main" xmlns="" Requires="p14">
       <p:transition spd="slow" p14:dur="2000" advClick="0" advTm="5000"/>
     </mc:Choice>
     <mc:Fallback>
@@ -4255,7 +4255,7 @@
           <p:cNvPr id="4" name="Title 3">
             <a:extLst>
               <a:ext uri="{FF2B5EF4-FFF2-40B4-BE49-F238E27FC236}">
-                <a16:creationId xmlns="" xmlns:a16="http://schemas.microsoft.com/office/drawing/2014/main" id="{7DEAF21D-E8CE-AD8B-E648-301FB7DE61DF}"/>
+                <a16:creationId xmlns:a16="http://schemas.microsoft.com/office/drawing/2014/main" xmlns="" id="{7DEAF21D-E8CE-AD8B-E648-301FB7DE61DF}"/>
               </a:ext>
             </a:extLst>
           </p:cNvPr>
@@ -4283,7 +4283,7 @@
           <p:cNvPr id="5" name="Text Placeholder 4">
             <a:extLst>
               <a:ext uri="{FF2B5EF4-FFF2-40B4-BE49-F238E27FC236}">
-                <a16:creationId xmlns="" xmlns:a16="http://schemas.microsoft.com/office/drawing/2014/main" id="{218E70D0-E766-7711-25D8-1588E232CEC8}"/>
+                <a16:creationId xmlns:a16="http://schemas.microsoft.com/office/drawing/2014/main" xmlns="" id="{218E70D0-E766-7711-25D8-1588E232CEC8}"/>
               </a:ext>
             </a:extLst>
           </p:cNvPr>
@@ -4312,50 +4312,50 @@
             </a:r>
             <a:r>
               <a:rPr lang="en-US" dirty="0" smtClean="0"/>
-              <a:t>Svelte</a:t>
-            </a:r>
+              <a:t>Tailwind CSS?</a:t>
+            </a:r>
+            <a:endParaRPr lang="en-US" dirty="0"/>
+          </a:p>
+          <a:p>
             <a:r>
               <a:rPr lang="en-US" dirty="0" smtClean="0"/>
-              <a:t>?</a:t>
-            </a:r>
-            <a:endParaRPr lang="en-US" dirty="0"/>
-          </a:p>
-          <a:p>
-            <a:r>
-              <a:rPr lang="en-US" dirty="0" smtClean="0"/>
-              <a:t>Svelte Advantages and Disadvantages</a:t>
-            </a:r>
-            <a:endParaRPr lang="en-US" dirty="0"/>
-          </a:p>
-          <a:p>
-            <a:r>
-              <a:rPr lang="en-US" dirty="0" smtClean="0"/>
-              <a:t>What </a:t>
-            </a:r>
-            <a:r>
-              <a:rPr lang="en-US" dirty="0" smtClean="0"/>
-              <a:t>is </a:t>
-            </a:r>
-            <a:r>
-              <a:rPr lang="en-US" dirty="0" smtClean="0"/>
-              <a:t>React?</a:t>
-            </a:r>
-            <a:endParaRPr lang="en-US" dirty="0" smtClean="0"/>
-          </a:p>
-          <a:p>
-            <a:r>
-              <a:rPr lang="en-US" dirty="0" smtClean="0"/>
-              <a:t>React Advantages </a:t>
+              <a:t>Tailwind CSS Advantages </a:t>
             </a:r>
             <a:r>
               <a:rPr lang="en-US" dirty="0" smtClean="0"/>
               <a:t>and Disadvantages</a:t>
             </a:r>
+            <a:endParaRPr lang="en-US" dirty="0"/>
           </a:p>
           <a:p>
             <a:r>
               <a:rPr lang="en-US" dirty="0" smtClean="0"/>
-              <a:t>When to use Svelte </a:t>
+              <a:t>What is </a:t>
+            </a:r>
+            <a:r>
+              <a:rPr lang="en-US" dirty="0" smtClean="0"/>
+              <a:t>Bootstrap?</a:t>
+            </a:r>
+            <a:endParaRPr lang="en-US" dirty="0" smtClean="0"/>
+          </a:p>
+          <a:p>
+            <a:r>
+              <a:rPr lang="en-US" dirty="0" smtClean="0"/>
+              <a:t>Tailwind CSS Advantages </a:t>
+            </a:r>
+            <a:r>
+              <a:rPr lang="en-US" dirty="0" smtClean="0"/>
+              <a:t>and Disadvantages</a:t>
+            </a:r>
+          </a:p>
+          <a:p>
+            <a:r>
+              <a:rPr lang="en-US" dirty="0" smtClean="0"/>
+              <a:t>When to use </a:t>
+            </a:r>
+            <a:r>
+              <a:rPr lang="en-US" dirty="0" smtClean="0"/>
+              <a:t>Tailwind CSS </a:t>
             </a:r>
             <a:r>
               <a:rPr lang="en-US" dirty="0" err="1" smtClean="0"/>
@@ -4363,7 +4363,7 @@
             </a:r>
             <a:r>
               <a:rPr lang="en-US" dirty="0" smtClean="0"/>
-              <a:t> React</a:t>
+              <a:t> Bootstrap</a:t>
             </a:r>
             <a:endParaRPr lang="en-US" dirty="0" smtClean="0"/>
           </a:p>
@@ -4379,7 +4379,7 @@
     </p:spTree>
     <p:extLst>
       <p:ext uri="{BB962C8B-B14F-4D97-AF65-F5344CB8AC3E}">
-        <p14:creationId xmlns="" xmlns:p14="http://schemas.microsoft.com/office/powerpoint/2010/main" val="2639129120"/>
+        <p14:creationId xmlns:p14="http://schemas.microsoft.com/office/powerpoint/2010/main" xmlns="" val="2639129120"/>
       </p:ext>
     </p:extLst>
   </p:cSld>
@@ -4387,7 +4387,7 @@
     <a:masterClrMapping/>
   </p:clrMapOvr>
   <mc:AlternateContent xmlns:mc="http://schemas.openxmlformats.org/markup-compatibility/2006">
-    <mc:Choice xmlns="" xmlns:p14="http://schemas.microsoft.com/office/powerpoint/2010/main" Requires="p14">
+    <mc:Choice xmlns:p14="http://schemas.microsoft.com/office/powerpoint/2010/main" xmlns="" Requires="p14">
       <p:transition spd="slow" p14:dur="2000" advClick="0" advTm="5000"/>
     </mc:Choice>
     <mc:Fallback>
@@ -4419,7 +4419,7 @@
           <p:cNvPr id="8" name="Title 7">
             <a:extLst>
               <a:ext uri="{FF2B5EF4-FFF2-40B4-BE49-F238E27FC236}">
-                <a16:creationId xmlns="" xmlns:a16="http://schemas.microsoft.com/office/drawing/2014/main" id="{8BD644B9-9C1E-39C5-E757-82FE5465A6E9}"/>
+                <a16:creationId xmlns:a16="http://schemas.microsoft.com/office/drawing/2014/main" xmlns="" id="{8BD644B9-9C1E-39C5-E757-82FE5465A6E9}"/>
               </a:ext>
             </a:extLst>
           </p:cNvPr>
@@ -4439,15 +4439,7 @@
           <a:p>
             <a:r>
               <a:rPr lang="en-US" dirty="0" smtClean="0"/>
-              <a:t>What is </a:t>
-            </a:r>
-            <a:r>
-              <a:rPr lang="en-US" dirty="0" smtClean="0"/>
-              <a:t>Svelte?</a:t>
-            </a:r>
-            <a:r>
-              <a:rPr lang="en-US" dirty="0" smtClean="0"/>
-              <a:t/>
+              <a:t>What is Svelte?</a:t>
             </a:r>
             <a:br>
               <a:rPr lang="en-US" dirty="0" smtClean="0"/>
@@ -4475,7 +4467,7 @@
           <p:cNvPr id="9" name="Subtitle 2">
             <a:extLst>
               <a:ext uri="{FF2B5EF4-FFF2-40B4-BE49-F238E27FC236}">
-                <a16:creationId xmlns="" xmlns:a16="http://schemas.microsoft.com/office/drawing/2014/main" id="{8F968626-82D8-2F5F-6869-21D8AD224898}"/>
+                <a16:creationId xmlns:a16="http://schemas.microsoft.com/office/drawing/2014/main" xmlns="" id="{8F968626-82D8-2F5F-6869-21D8AD224898}"/>
               </a:ext>
             </a:extLst>
           </p:cNvPr>
@@ -4539,7 +4531,7 @@
           <p:cNvPr id="4" name="Text Placeholder 4">
             <a:extLst>
               <a:ext uri="{FF2B5EF4-FFF2-40B4-BE49-F238E27FC236}">
-                <a16:creationId xmlns="" xmlns:a16="http://schemas.microsoft.com/office/drawing/2014/main" id="{218E70D0-E766-7711-25D8-1588E232CEC8}"/>
+                <a16:creationId xmlns:a16="http://schemas.microsoft.com/office/drawing/2014/main" xmlns="" id="{218E70D0-E766-7711-25D8-1588E232CEC8}"/>
               </a:ext>
             </a:extLst>
           </p:cNvPr>
@@ -4598,7 +4590,7 @@
           <p:cNvPr id="5" name="Text Placeholder 4">
             <a:extLst>
               <a:ext uri="{FF2B5EF4-FFF2-40B4-BE49-F238E27FC236}">
-                <a16:creationId xmlns="" xmlns:a16="http://schemas.microsoft.com/office/drawing/2014/main" id="{218E70D0-E766-7711-25D8-1588E232CEC8}"/>
+                <a16:creationId xmlns:a16="http://schemas.microsoft.com/office/drawing/2014/main" xmlns="" id="{218E70D0-E766-7711-25D8-1588E232CEC8}"/>
               </a:ext>
             </a:extLst>
           </p:cNvPr>
@@ -4682,35 +4674,15 @@
             </a:r>
             <a:r>
               <a:rPr lang="en-US" dirty="0" smtClean="0"/>
-              <a:t> is a modern front-end framework used for building user interfaces, especially single-page applications (SPAs</a:t>
+              <a:t> is a modern front-end framework used for building user interfaces, especially single-page applications (SPAs).  Svelte takes a unique approach by </a:t>
+            </a:r>
+            <a:r>
+              <a:rPr lang="en-US" b="1" dirty="0" smtClean="0"/>
+              <a:t>compiling components to highly optimized vanilla JavaScript</a:t>
             </a:r>
             <a:r>
               <a:rPr lang="en-US" dirty="0" smtClean="0"/>
-              <a:t>).  Svelte takes a </a:t>
-            </a:r>
-            <a:r>
-              <a:rPr lang="en-US" dirty="0" smtClean="0"/>
-              <a:t>unique approach </a:t>
-            </a:r>
-            <a:r>
-              <a:rPr lang="en-US" dirty="0" smtClean="0"/>
-              <a:t>by </a:t>
-            </a:r>
-            <a:r>
-              <a:rPr lang="en-US" b="1" dirty="0" smtClean="0"/>
-              <a:t>compiling </a:t>
-            </a:r>
-            <a:r>
-              <a:rPr lang="en-US" b="1" dirty="0" smtClean="0"/>
-              <a:t>components to highly optimized vanilla JavaScript</a:t>
-            </a:r>
-            <a:r>
-              <a:rPr lang="en-US" dirty="0" smtClean="0"/>
-              <a:t> during build time, rather than relying on a virtual DOM or runtime to manage updates in the </a:t>
-            </a:r>
-            <a:r>
-              <a:rPr lang="en-US" dirty="0" smtClean="0"/>
-              <a:t>browser like traditional method utilize by React, </a:t>
+              <a:t> during build time, rather than relying on a virtual DOM or runtime to manage updates in the browser like traditional method utilize by React, </a:t>
             </a:r>
             <a:r>
               <a:rPr lang="en-US" dirty="0" err="1" smtClean="0"/>
@@ -4783,7 +4755,7 @@
     </p:spTree>
     <p:extLst>
       <p:ext uri="{BB962C8B-B14F-4D97-AF65-F5344CB8AC3E}">
-        <p14:creationId xmlns="" xmlns:p14="http://schemas.microsoft.com/office/powerpoint/2010/main" val="479653768"/>
+        <p14:creationId xmlns:p14="http://schemas.microsoft.com/office/powerpoint/2010/main" xmlns="" val="479653768"/>
       </p:ext>
     </p:extLst>
   </p:cSld>
@@ -4791,7 +4763,7 @@
     <a:masterClrMapping/>
   </p:clrMapOvr>
   <mc:AlternateContent xmlns:mc="http://schemas.openxmlformats.org/markup-compatibility/2006">
-    <mc:Choice xmlns="" xmlns:p14="http://schemas.microsoft.com/office/powerpoint/2010/main" Requires="p14">
+    <mc:Choice xmlns:p14="http://schemas.microsoft.com/office/powerpoint/2010/main" xmlns="" Requires="p14">
       <p:transition spd="slow" p14:dur="2000" advClick="0" advTm="5000"/>
     </mc:Choice>
     <mc:Fallback>
@@ -4823,7 +4795,7 @@
           <p:cNvPr id="4" name="TextBox 3">
             <a:extLst>
               <a:ext uri="{FF2B5EF4-FFF2-40B4-BE49-F238E27FC236}">
-                <a16:creationId xmlns="" xmlns:a16="http://schemas.microsoft.com/office/drawing/2014/main" id="{221FA16E-AAC8-1A73-CCDA-27D1070D6804}"/>
+                <a16:creationId xmlns:a16="http://schemas.microsoft.com/office/drawing/2014/main" xmlns="" id="{221FA16E-AAC8-1A73-CCDA-27D1070D6804}"/>
               </a:ext>
             </a:extLst>
           </p:cNvPr>
@@ -5233,7 +5205,7 @@
     </p:spTree>
     <p:extLst>
       <p:ext uri="{BB962C8B-B14F-4D97-AF65-F5344CB8AC3E}">
-        <p14:creationId xmlns="" xmlns:p14="http://schemas.microsoft.com/office/powerpoint/2010/main" val="1960280140"/>
+        <p14:creationId xmlns:p14="http://schemas.microsoft.com/office/powerpoint/2010/main" xmlns="" val="1960280140"/>
       </p:ext>
     </p:extLst>
   </p:cSld>
@@ -5241,7 +5213,7 @@
     <a:masterClrMapping/>
   </p:clrMapOvr>
   <mc:AlternateContent xmlns:mc="http://schemas.openxmlformats.org/markup-compatibility/2006">
-    <mc:Choice xmlns="" xmlns:p14="http://schemas.microsoft.com/office/powerpoint/2010/main" Requires="p14">
+    <mc:Choice xmlns:p14="http://schemas.microsoft.com/office/powerpoint/2010/main" xmlns="" Requires="p14">
       <p:transition spd="slow" p14:dur="2000" advClick="0" advTm="5000"/>
     </mc:Choice>
     <mc:Fallback>
@@ -5273,7 +5245,7 @@
           <p:cNvPr id="8" name="Title 7">
             <a:extLst>
               <a:ext uri="{FF2B5EF4-FFF2-40B4-BE49-F238E27FC236}">
-                <a16:creationId xmlns="" xmlns:a16="http://schemas.microsoft.com/office/drawing/2014/main" id="{8BD644B9-9C1E-39C5-E757-82FE5465A6E9}"/>
+                <a16:creationId xmlns:a16="http://schemas.microsoft.com/office/drawing/2014/main" xmlns="" id="{8BD644B9-9C1E-39C5-E757-82FE5465A6E9}"/>
               </a:ext>
             </a:extLst>
           </p:cNvPr>
@@ -5293,15 +5265,7 @@
           <a:p>
             <a:r>
               <a:rPr lang="en-US" dirty="0" smtClean="0"/>
-              <a:t>What is </a:t>
-            </a:r>
-            <a:r>
-              <a:rPr lang="en-US" dirty="0" smtClean="0"/>
-              <a:t>React?</a:t>
-            </a:r>
-            <a:r>
-              <a:rPr lang="en-US" dirty="0" smtClean="0"/>
-              <a:t/>
+              <a:t>What is React?</a:t>
             </a:r>
             <a:br>
               <a:rPr lang="en-US" dirty="0" smtClean="0"/>
@@ -5329,7 +5293,7 @@
           <p:cNvPr id="9" name="Subtitle 2">
             <a:extLst>
               <a:ext uri="{FF2B5EF4-FFF2-40B4-BE49-F238E27FC236}">
-                <a16:creationId xmlns="" xmlns:a16="http://schemas.microsoft.com/office/drawing/2014/main" id="{8F968626-82D8-2F5F-6869-21D8AD224898}"/>
+                <a16:creationId xmlns:a16="http://schemas.microsoft.com/office/drawing/2014/main" xmlns="" id="{8F968626-82D8-2F5F-6869-21D8AD224898}"/>
               </a:ext>
             </a:extLst>
           </p:cNvPr>
@@ -5393,7 +5357,7 @@
           <p:cNvPr id="4" name="Text Placeholder 4">
             <a:extLst>
               <a:ext uri="{FF2B5EF4-FFF2-40B4-BE49-F238E27FC236}">
-                <a16:creationId xmlns="" xmlns:a16="http://schemas.microsoft.com/office/drawing/2014/main" id="{218E70D0-E766-7711-25D8-1588E232CEC8}"/>
+                <a16:creationId xmlns:a16="http://schemas.microsoft.com/office/drawing/2014/main" xmlns="" id="{218E70D0-E766-7711-25D8-1588E232CEC8}"/>
               </a:ext>
             </a:extLst>
           </p:cNvPr>
@@ -5452,7 +5416,7 @@
           <p:cNvPr id="5" name="Text Placeholder 4">
             <a:extLst>
               <a:ext uri="{FF2B5EF4-FFF2-40B4-BE49-F238E27FC236}">
-                <a16:creationId xmlns="" xmlns:a16="http://schemas.microsoft.com/office/drawing/2014/main" id="{218E70D0-E766-7711-25D8-1588E232CEC8}"/>
+                <a16:creationId xmlns:a16="http://schemas.microsoft.com/office/drawing/2014/main" xmlns="" id="{218E70D0-E766-7711-25D8-1588E232CEC8}"/>
               </a:ext>
             </a:extLst>
           </p:cNvPr>
@@ -5536,19 +5500,7 @@
             </a:r>
             <a:r>
               <a:rPr lang="en-US" dirty="0" smtClean="0"/>
-              <a:t> is a popular, </a:t>
-            </a:r>
-            <a:r>
-              <a:rPr lang="en-US" dirty="0" smtClean="0"/>
-              <a:t>also an open-source </a:t>
-            </a:r>
-            <a:r>
-              <a:rPr lang="en-US" dirty="0" smtClean="0"/>
-              <a:t>JavaScript library </a:t>
-            </a:r>
-            <a:r>
-              <a:rPr lang="en-US" dirty="0" smtClean="0"/>
-              <a:t>front end </a:t>
+              <a:t> is a popular, also an open-source JavaScript library front end </a:t>
             </a:r>
             <a:r>
               <a:rPr lang="en-US" dirty="0" err="1" smtClean="0"/>
@@ -5556,11 +5508,7 @@
             </a:r>
             <a:r>
               <a:rPr lang="en-US" dirty="0" smtClean="0"/>
-              <a:t> framework, </a:t>
-            </a:r>
-            <a:r>
-              <a:rPr lang="en-US" dirty="0" smtClean="0"/>
-              <a:t>particularly for </a:t>
+              <a:t> framework, particularly for </a:t>
             </a:r>
             <a:r>
               <a:rPr lang="en-US" b="1" dirty="0" smtClean="0"/>
@@ -5568,39 +5516,7 @@
             </a:r>
             <a:r>
               <a:rPr lang="en-US" dirty="0" smtClean="0"/>
-              <a:t>. </a:t>
-            </a:r>
-            <a:r>
-              <a:rPr lang="en-US" dirty="0" smtClean="0"/>
-              <a:t>React </a:t>
-            </a:r>
-            <a:r>
-              <a:rPr lang="en-US" dirty="0" smtClean="0"/>
-              <a:t>allows </a:t>
-            </a:r>
-            <a:r>
-              <a:rPr lang="en-US" dirty="0" smtClean="0"/>
-              <a:t>dynamic </a:t>
-            </a:r>
-            <a:r>
-              <a:rPr lang="en-US" dirty="0" smtClean="0"/>
-              <a:t>web applications that can update and render efficiently in response to changing data, without requiring a full page </a:t>
-            </a:r>
-            <a:r>
-              <a:rPr lang="en-US" dirty="0" smtClean="0"/>
-              <a:t>reload similar </a:t>
-            </a:r>
-            <a:r>
-              <a:rPr lang="en-US" dirty="0" smtClean="0"/>
-              <a:t>to Svelte. </a:t>
-            </a:r>
-            <a:r>
-              <a:rPr lang="en-US" dirty="0" smtClean="0"/>
-              <a:t>Developed </a:t>
-            </a:r>
-            <a:r>
-              <a:rPr lang="en-US" dirty="0" smtClean="0"/>
-              <a:t>by </a:t>
+              <a:t>. React allows dynamic web applications that can update and render efficiently in response to changing data, without requiring a full page reload similar to Svelte. Developed by </a:t>
             </a:r>
             <a:r>
               <a:rPr lang="en-US" b="1" dirty="0" err="1" smtClean="0"/>
@@ -5608,15 +5524,7 @@
             </a:r>
             <a:r>
               <a:rPr lang="en-US" dirty="0" smtClean="0"/>
-              <a:t> </a:t>
-            </a:r>
-            <a:r>
-              <a:rPr lang="en-US" dirty="0" smtClean="0"/>
-              <a:t>and </a:t>
-            </a:r>
-            <a:r>
-              <a:rPr lang="en-US" dirty="0" smtClean="0"/>
-              <a:t>released in 2013.</a:t>
+              <a:t> and released in 2013.</a:t>
             </a:r>
             <a:endParaRPr lang="en-US" dirty="0"/>
           </a:p>
@@ -5688,7 +5596,7 @@
     </p:spTree>
     <p:extLst>
       <p:ext uri="{BB962C8B-B14F-4D97-AF65-F5344CB8AC3E}">
-        <p14:creationId xmlns="" xmlns:p14="http://schemas.microsoft.com/office/powerpoint/2010/main" val="479653768"/>
+        <p14:creationId xmlns:p14="http://schemas.microsoft.com/office/powerpoint/2010/main" xmlns="" val="479653768"/>
       </p:ext>
     </p:extLst>
   </p:cSld>
@@ -5696,7 +5604,7 @@
     <a:masterClrMapping/>
   </p:clrMapOvr>
   <mc:AlternateContent xmlns:mc="http://schemas.openxmlformats.org/markup-compatibility/2006">
-    <mc:Choice xmlns="" xmlns:p14="http://schemas.microsoft.com/office/powerpoint/2010/main" Requires="p14">
+    <mc:Choice xmlns:p14="http://schemas.microsoft.com/office/powerpoint/2010/main" xmlns="" Requires="p14">
       <p:transition spd="slow" p14:dur="2000" advClick="0" advTm="5000"/>
     </mc:Choice>
     <mc:Fallback>
@@ -5728,7 +5636,7 @@
           <p:cNvPr id="4" name="TextBox 3">
             <a:extLst>
               <a:ext uri="{FF2B5EF4-FFF2-40B4-BE49-F238E27FC236}">
-                <a16:creationId xmlns="" xmlns:a16="http://schemas.microsoft.com/office/drawing/2014/main" id="{221FA16E-AAC8-1A73-CCDA-27D1070D6804}"/>
+                <a16:creationId xmlns:a16="http://schemas.microsoft.com/office/drawing/2014/main" xmlns="" id="{221FA16E-AAC8-1A73-CCDA-27D1070D6804}"/>
               </a:ext>
             </a:extLst>
           </p:cNvPr>
@@ -6150,7 +6058,7 @@
     </p:spTree>
     <p:extLst>
       <p:ext uri="{BB962C8B-B14F-4D97-AF65-F5344CB8AC3E}">
-        <p14:creationId xmlns="" xmlns:p14="http://schemas.microsoft.com/office/powerpoint/2010/main" val="1960280140"/>
+        <p14:creationId xmlns:p14="http://schemas.microsoft.com/office/powerpoint/2010/main" xmlns="" val="1960280140"/>
       </p:ext>
     </p:extLst>
   </p:cSld>
@@ -6158,7 +6066,7 @@
     <a:masterClrMapping/>
   </p:clrMapOvr>
   <mc:AlternateContent xmlns:mc="http://schemas.openxmlformats.org/markup-compatibility/2006">
-    <mc:Choice xmlns="" xmlns:p14="http://schemas.microsoft.com/office/powerpoint/2010/main" Requires="p14">
+    <mc:Choice xmlns:p14="http://schemas.microsoft.com/office/powerpoint/2010/main" xmlns="" Requires="p14">
       <p:transition spd="slow" p14:dur="2000" advClick="0" advTm="5000"/>
     </mc:Choice>
     <mc:Fallback>
@@ -6190,7 +6098,7 @@
           <p:cNvPr id="4" name="TextBox 3">
             <a:extLst>
               <a:ext uri="{FF2B5EF4-FFF2-40B4-BE49-F238E27FC236}">
-                <a16:creationId xmlns="" xmlns:a16="http://schemas.microsoft.com/office/drawing/2014/main" id="{221FA16E-AAC8-1A73-CCDA-27D1070D6804}"/>
+                <a16:creationId xmlns:a16="http://schemas.microsoft.com/office/drawing/2014/main" xmlns="" id="{221FA16E-AAC8-1A73-CCDA-27D1070D6804}"/>
               </a:ext>
             </a:extLst>
           </p:cNvPr>
@@ -6667,7 +6575,7 @@
     </p:spTree>
     <p:extLst>
       <p:ext uri="{BB962C8B-B14F-4D97-AF65-F5344CB8AC3E}">
-        <p14:creationId xmlns="" xmlns:p14="http://schemas.microsoft.com/office/powerpoint/2010/main" val="1960280140"/>
+        <p14:creationId xmlns:p14="http://schemas.microsoft.com/office/powerpoint/2010/main" xmlns="" val="1960280140"/>
       </p:ext>
     </p:extLst>
   </p:cSld>
@@ -6675,7 +6583,7 @@
     <a:masterClrMapping/>
   </p:clrMapOvr>
   <mc:AlternateContent xmlns:mc="http://schemas.openxmlformats.org/markup-compatibility/2006">
-    <mc:Choice xmlns="" xmlns:p14="http://schemas.microsoft.com/office/powerpoint/2010/main" Requires="p14">
+    <mc:Choice xmlns:p14="http://schemas.microsoft.com/office/powerpoint/2010/main" xmlns="" Requires="p14">
       <p:transition spd="slow" p14:dur="2000" advClick="0" advTm="5000"/>
     </mc:Choice>
     <mc:Fallback>
@@ -6707,7 +6615,7 @@
           <p:cNvPr id="2" name="TextBox 1">
             <a:extLst>
               <a:ext uri="{FF2B5EF4-FFF2-40B4-BE49-F238E27FC236}">
-                <a16:creationId xmlns="" xmlns:a16="http://schemas.microsoft.com/office/drawing/2014/main" id="{5E8D481B-AA70-47B2-D724-B872B2D97377}"/>
+                <a16:creationId xmlns:a16="http://schemas.microsoft.com/office/drawing/2014/main" xmlns="" id="{5E8D481B-AA70-47B2-D724-B872B2D97377}"/>
               </a:ext>
             </a:extLst>
           </p:cNvPr>
@@ -6772,7 +6680,7 @@
     </p:spTree>
     <p:extLst>
       <p:ext uri="{BB962C8B-B14F-4D97-AF65-F5344CB8AC3E}">
-        <p14:creationId xmlns="" xmlns:p14="http://schemas.microsoft.com/office/powerpoint/2010/main" val="3511436495"/>
+        <p14:creationId xmlns:p14="http://schemas.microsoft.com/office/powerpoint/2010/main" xmlns="" val="3511436495"/>
       </p:ext>
     </p:extLst>
   </p:cSld>
@@ -6780,7 +6688,7 @@
     <a:masterClrMapping/>
   </p:clrMapOvr>
   <mc:AlternateContent xmlns:mc="http://schemas.openxmlformats.org/markup-compatibility/2006">
-    <mc:Choice xmlns="" xmlns:p14="http://schemas.microsoft.com/office/powerpoint/2010/main" Requires="p14">
+    <mc:Choice xmlns:p14="http://schemas.microsoft.com/office/powerpoint/2010/main" xmlns="" Requires="p14">
       <p:transition spd="slow" p14:dur="2000" advClick="0" advTm="5000"/>
     </mc:Choice>
     <mc:Fallback>
@@ -7079,7 +6987,7 @@
   <a:extraClrSchemeLst/>
   <a:extLst>
     <a:ext uri="{05A4C25C-085E-4340-85A3-A5531E510DB2}">
-      <thm15:themeFamily xmlns="" xmlns:thm15="http://schemas.microsoft.com/office/thememl/2012/main" name="18-Brand-Standards-Corporate-Template-R01  -  Repaired" id="{7628EEB4-EE5B-45F0-B1DA-E888BA5DCC7D}" vid="{48500A91-5F3F-4738-B9EF-D77D3C06827C}"/>
+      <thm15:themeFamily xmlns:thm15="http://schemas.microsoft.com/office/thememl/2012/main" xmlns="" name="18-Brand-Standards-Corporate-Template-R01  -  Repaired" id="{7628EEB4-EE5B-45F0-B1DA-E888BA5DCC7D}" vid="{48500A91-5F3F-4738-B9EF-D77D3C06827C}"/>
     </a:ext>
   </a:extLst>
 </a:theme>
@@ -7374,7 +7282,7 @@
   <a:extraClrSchemeLst/>
   <a:extLst>
     <a:ext uri="{05A4C25C-085E-4340-85A3-A5531E510DB2}">
-      <thm15:themeFamily xmlns="" xmlns:thm15="http://schemas.microsoft.com/office/thememl/2012/main" name="Office Theme" id="{62F939B6-93AF-4DB8-9C6B-D6C7DFDC589F}" vid="{4A3C46E8-61CC-4603-A589-7422A47A8E4A}"/>
+      <thm15:themeFamily xmlns:thm15="http://schemas.microsoft.com/office/thememl/2012/main" xmlns="" name="Office Theme" id="{62F939B6-93AF-4DB8-9C6B-D6C7DFDC589F}" vid="{4A3C46E8-61CC-4603-A589-7422A47A8E4A}"/>
     </a:ext>
   </a:extLst>
 </a:theme>
@@ -7669,13 +7577,33 @@
   <a:extraClrSchemeLst/>
   <a:extLst>
     <a:ext uri="{05A4C25C-085E-4340-85A3-A5531E510DB2}">
-      <thm15:themeFamily xmlns="" xmlns:thm15="http://schemas.microsoft.com/office/thememl/2012/main" name="Office Theme" id="{62F939B6-93AF-4DB8-9C6B-D6C7DFDC589F}" vid="{4A3C46E8-61CC-4603-A589-7422A47A8E4A}"/>
+      <thm15:themeFamily xmlns:thm15="http://schemas.microsoft.com/office/thememl/2012/main" xmlns="" name="Office Theme" id="{62F939B6-93AF-4DB8-9C6B-D6C7DFDC589F}" vid="{4A3C46E8-61CC-4603-A589-7422A47A8E4A}"/>
     </a:ext>
   </a:extLst>
 </a:theme>
 </file>
 
 <file path=customXml/item1.xml><?xml version="1.0" encoding="utf-8"?>
+<?mso-contentType ?>
+<FormTemplates xmlns="http://schemas.microsoft.com/sharepoint/v3/contenttype/forms">
+  <Display>DocumentLibraryForm</Display>
+  <Edit>DocumentLibraryForm</Edit>
+  <New>DocumentLibraryForm</New>
+</FormTemplates>
+</file>
+
+<file path=customXml/item2.xml><?xml version="1.0" encoding="utf-8"?>
+<p:properties xmlns:p="http://schemas.microsoft.com/office/2006/metadata/properties" xmlns:xsi="http://www.w3.org/2001/XMLSchema-instance" xmlns:pc="http://schemas.microsoft.com/office/infopath/2007/PartnerControls">
+  <documentManagement>
+    <lcf76f155ced4ddcb4097134ff3c332f xmlns="80cd682b-b40f-411e-9891-5e2a388e0f2a">
+      <Terms xmlns="http://schemas.microsoft.com/office/infopath/2007/PartnerControls"/>
+    </lcf76f155ced4ddcb4097134ff3c332f>
+    <TaxCatchAll xmlns="0a5436c3-62bb-42e4-abd1-a0a4955fdeca" xsi:nil="true"/>
+  </documentManagement>
+</p:properties>
+</file>
+
+<file path=customXml/item3.xml><?xml version="1.0" encoding="utf-8"?>
 <ct:contentTypeSchema xmlns:ct="http://schemas.microsoft.com/office/2006/metadata/contentType" xmlns:ma="http://schemas.microsoft.com/office/2006/metadata/properties/metaAttributes" ct:_="" ma:_="" ma:contentTypeName="Document" ma:contentTypeID="0x010100E88E7F3DB7B651438BE2EE6496C5288F" ma:contentTypeVersion="15" ma:contentTypeDescription="Create a new document." ma:contentTypeScope="" ma:versionID="f84292184f4f7fbb88c788eaae096a70">
   <xsd:schema xmlns:xsd="http://www.w3.org/2001/XMLSchema" xmlns:xs="http://www.w3.org/2001/XMLSchema" xmlns:p="http://schemas.microsoft.com/office/2006/metadata/properties" xmlns:ns2="80cd682b-b40f-411e-9891-5e2a388e0f2a" xmlns:ns3="0a5436c3-62bb-42e4-abd1-a0a4955fdeca" targetNamespace="http://schemas.microsoft.com/office/2006/metadata/properties" ma:root="true" ma:fieldsID="a80ffcda42bd2f74d943b42b148c0425" ns2:_="" ns3:_="">
     <xsd:import namespace="80cd682b-b40f-411e-9891-5e2a388e0f2a"/>
@@ -7906,41 +7834,10 @@
 </ct:contentTypeSchema>
 </file>
 
-<file path=customXml/item2.xml><?xml version="1.0" encoding="utf-8"?>
-<p:properties xmlns:p="http://schemas.microsoft.com/office/2006/metadata/properties" xmlns:xsi="http://www.w3.org/2001/XMLSchema-instance" xmlns:pc="http://schemas.microsoft.com/office/infopath/2007/PartnerControls">
-  <documentManagement>
-    <lcf76f155ced4ddcb4097134ff3c332f xmlns="80cd682b-b40f-411e-9891-5e2a388e0f2a">
-      <Terms xmlns="http://schemas.microsoft.com/office/infopath/2007/PartnerControls"/>
-    </lcf76f155ced4ddcb4097134ff3c332f>
-    <TaxCatchAll xmlns="0a5436c3-62bb-42e4-abd1-a0a4955fdeca" xsi:nil="true"/>
-  </documentManagement>
-</p:properties>
-</file>
-
-<file path=customXml/item3.xml><?xml version="1.0" encoding="utf-8"?>
-<?mso-contentType ?>
-<FormTemplates xmlns="http://schemas.microsoft.com/sharepoint/v3/contenttype/forms">
-  <Display>DocumentLibraryForm</Display>
-  <Edit>DocumentLibraryForm</Edit>
-  <New>DocumentLibraryForm</New>
-</FormTemplates>
-</file>
-
 <file path=customXml/itemProps1.xml><?xml version="1.0" encoding="utf-8"?>
-<ds:datastoreItem xmlns:ds="http://schemas.openxmlformats.org/officeDocument/2006/customXml" ds:itemID="{149D4D71-E531-43EE-8F1C-8460734920B2}">
+<ds:datastoreItem xmlns:ds="http://schemas.openxmlformats.org/officeDocument/2006/customXml" ds:itemID="{C1BF3681-C3E5-4AF6-8050-4743C0D56164}">
   <ds:schemaRefs>
-    <ds:schemaRef ds:uri="0a5436c3-62bb-42e4-abd1-a0a4955fdeca"/>
-    <ds:schemaRef ds:uri="80cd682b-b40f-411e-9891-5e2a388e0f2a"/>
-    <ds:schemaRef ds:uri="http://purl.org/dc/elements/1.1/"/>
-    <ds:schemaRef ds:uri="http://purl.org/dc/terms/"/>
-    <ds:schemaRef ds:uri="http://schemas.microsoft.com/internal/obd"/>
-    <ds:schemaRef ds:uri="http://schemas.microsoft.com/office/2006/documentManagement/types"/>
-    <ds:schemaRef ds:uri="http://schemas.microsoft.com/office/2006/metadata/contentType"/>
-    <ds:schemaRef ds:uri="http://schemas.microsoft.com/office/2006/metadata/properties"/>
-    <ds:schemaRef ds:uri="http://schemas.microsoft.com/office/2006/metadata/properties/metaAttributes"/>
-    <ds:schemaRef ds:uri="http://schemas.microsoft.com/office/infopath/2007/PartnerControls"/>
-    <ds:schemaRef ds:uri="http://schemas.openxmlformats.org/package/2006/metadata/core-properties"/>
-    <ds:schemaRef ds:uri="http://www.w3.org/2001/XMLSchema"/>
+    <ds:schemaRef ds:uri="http://schemas.microsoft.com/sharepoint/v3/contenttype/forms"/>
   </ds:schemaRefs>
 </ds:datastoreItem>
 </file>
@@ -7963,9 +7860,20 @@
 </file>
 
 <file path=customXml/itemProps3.xml><?xml version="1.0" encoding="utf-8"?>
-<ds:datastoreItem xmlns:ds="http://schemas.openxmlformats.org/officeDocument/2006/customXml" ds:itemID="{C1BF3681-C3E5-4AF6-8050-4743C0D56164}">
+<ds:datastoreItem xmlns:ds="http://schemas.openxmlformats.org/officeDocument/2006/customXml" ds:itemID="{149D4D71-E531-43EE-8F1C-8460734920B2}">
   <ds:schemaRefs>
-    <ds:schemaRef ds:uri="http://schemas.microsoft.com/sharepoint/v3/contenttype/forms"/>
+    <ds:schemaRef ds:uri="0a5436c3-62bb-42e4-abd1-a0a4955fdeca"/>
+    <ds:schemaRef ds:uri="80cd682b-b40f-411e-9891-5e2a388e0f2a"/>
+    <ds:schemaRef ds:uri="http://purl.org/dc/elements/1.1/"/>
+    <ds:schemaRef ds:uri="http://purl.org/dc/terms/"/>
+    <ds:schemaRef ds:uri="http://schemas.microsoft.com/internal/obd"/>
+    <ds:schemaRef ds:uri="http://schemas.microsoft.com/office/2006/documentManagement/types"/>
+    <ds:schemaRef ds:uri="http://schemas.microsoft.com/office/2006/metadata/contentType"/>
+    <ds:schemaRef ds:uri="http://schemas.microsoft.com/office/2006/metadata/properties"/>
+    <ds:schemaRef ds:uri="http://schemas.microsoft.com/office/2006/metadata/properties/metaAttributes"/>
+    <ds:schemaRef ds:uri="http://schemas.microsoft.com/office/infopath/2007/PartnerControls"/>
+    <ds:schemaRef ds:uri="http://schemas.openxmlformats.org/package/2006/metadata/core-properties"/>
+    <ds:schemaRef ds:uri="http://www.w3.org/2001/XMLSchema"/>
   </ds:schemaRefs>
 </ds:datastoreItem>
 </file>
--- a/Power Point Slides/Tailwind vs Bootstrap.pptx
+++ b/Power Point Slides/Tailwind vs Bootstrap.pptx
@@ -5,10 +5,10 @@
     <p:sldMasterId id="2147483648" r:id="rId4"/>
   </p:sldMasterIdLst>
   <p:notesMasterIdLst>
-    <p:notesMasterId r:id="rId13"/>
+    <p:notesMasterId r:id="rId14"/>
   </p:notesMasterIdLst>
   <p:handoutMasterIdLst>
-    <p:handoutMasterId r:id="rId14"/>
+    <p:handoutMasterId r:id="rId15"/>
   </p:handoutMasterIdLst>
   <p:sldIdLst>
     <p:sldId id="4215" r:id="rId5"/>
@@ -18,7 +18,8 @@
     <p:sldId id="4221" r:id="rId9"/>
     <p:sldId id="4222" r:id="rId10"/>
     <p:sldId id="4223" r:id="rId11"/>
-    <p:sldId id="4207" r:id="rId12"/>
+    <p:sldId id="4224" r:id="rId12"/>
+    <p:sldId id="4207" r:id="rId13"/>
   </p:sldIdLst>
   <p:sldSz cx="12192000" cy="6858000"/>
   <p:notesSz cx="6858000" cy="9144000"/>
@@ -243,7 +244,7 @@
             <a:fld id="{5E46B522-554D-304C-B062-B3D14C953F88}" type="datetimeFigureOut">
               <a:rPr lang="en-US" smtClean="0"/>
               <a:pPr/>
-              <a:t>10/30/2024</a:t>
+              <a:t>10/31/2024</a:t>
             </a:fld>
             <a:endParaRPr lang="en-US"/>
           </a:p>
@@ -422,7 +423,7 @@
             <a:fld id="{5BA413F0-8702-4C58-A1DC-FE228FE832D3}" type="datetimeFigureOut">
               <a:rPr lang="en-US" smtClean="0"/>
               <a:pPr/>
-              <a:t>10/30/2024</a:t>
+              <a:t>10/31/2024</a:t>
             </a:fld>
             <a:endParaRPr lang="en-US"/>
           </a:p>
@@ -3722,7 +3723,7 @@
             <a:fld id="{FBF4D725-7178-D948-AA3E-6F5F17353337}" type="datetimeFigureOut">
               <a:rPr lang="en-US" smtClean="0"/>
               <a:pPr/>
-              <a:t>10/30/2024</a:t>
+              <a:t>10/31/2024</a:t>
             </a:fld>
             <a:endParaRPr lang="en-US"/>
           </a:p>
@@ -4169,15 +4170,19 @@
           <a:p>
             <a:r>
               <a:rPr lang="en-US" dirty="0" smtClean="0"/>
-              <a:t>Svelte </a:t>
+              <a:t>Tailwind CSS </a:t>
             </a:r>
             <a:r>
               <a:rPr lang="en-US" dirty="0" err="1" smtClean="0"/>
               <a:t>vs</a:t>
             </a:r>
             <a:r>
-              <a:rPr lang="en-US" dirty="0" smtClean="0"/>
-              <a:t> React</a:t>
+              <a:rPr lang="en-US" smtClean="0"/>
+              <a:t> </a:t>
+            </a:r>
+            <a:r>
+              <a:rPr lang="en-US" smtClean="0"/>
+              <a:t>Bootstrap</a:t>
             </a:r>
             <a:endParaRPr lang="en-US" dirty="0"/>
           </a:p>
@@ -4302,60 +4307,39 @@
         </p:spPr>
         <p:txBody>
           <a:bodyPr>
-            <a:normAutofit fontScale="92500" lnSpcReduction="20000"/>
+            <a:normAutofit fontScale="70000" lnSpcReduction="20000"/>
           </a:bodyPr>
           <a:lstStyle/>
           <a:p>
             <a:r>
               <a:rPr lang="en-US" dirty="0" smtClean="0"/>
-              <a:t>What is </a:t>
+              <a:t>What is Tailwind CSS?</a:t>
             </a:r>
+            <a:endParaRPr lang="en-US" dirty="0"/>
+          </a:p>
+          <a:p>
             <a:r>
               <a:rPr lang="en-US" dirty="0" smtClean="0"/>
-              <a:t>Tailwind CSS?</a:t>
+              <a:t>Tailwind CSS Advantages and Disadvantages</a:t>
             </a:r>
             <a:endParaRPr lang="en-US" dirty="0"/>
           </a:p>
           <a:p>
             <a:r>
               <a:rPr lang="en-US" dirty="0" smtClean="0"/>
-              <a:t>Tailwind CSS Advantages </a:t>
+              <a:t>What is Bootstrap?</a:t>
             </a:r>
+          </a:p>
+          <a:p>
             <a:r>
               <a:rPr lang="en-US" dirty="0" smtClean="0"/>
-              <a:t>and Disadvantages</a:t>
+              <a:t>Tailwind CSS Advantages and Disadvantages</a:t>
             </a:r>
-            <a:endParaRPr lang="en-US" dirty="0"/>
           </a:p>
           <a:p>
             <a:r>
               <a:rPr lang="en-US" dirty="0" smtClean="0"/>
-              <a:t>What is </a:t>
-            </a:r>
-            <a:r>
-              <a:rPr lang="en-US" dirty="0" smtClean="0"/>
-              <a:t>Bootstrap?</a:t>
-            </a:r>
-            <a:endParaRPr lang="en-US" dirty="0" smtClean="0"/>
-          </a:p>
-          <a:p>
-            <a:r>
-              <a:rPr lang="en-US" dirty="0" smtClean="0"/>
-              <a:t>Tailwind CSS Advantages </a:t>
-            </a:r>
-            <a:r>
-              <a:rPr lang="en-US" dirty="0" smtClean="0"/>
-              <a:t>and Disadvantages</a:t>
-            </a:r>
-          </a:p>
-          <a:p>
-            <a:r>
-              <a:rPr lang="en-US" dirty="0" smtClean="0"/>
-              <a:t>When to use </a:t>
-            </a:r>
-            <a:r>
-              <a:rPr lang="en-US" dirty="0" smtClean="0"/>
-              <a:t>Tailwind CSS </a:t>
+              <a:t>When to use Tailwind CSS </a:t>
             </a:r>
             <a:r>
               <a:rPr lang="en-US" dirty="0" err="1" smtClean="0"/>
@@ -4365,7 +4349,12 @@
               <a:rPr lang="en-US" dirty="0" smtClean="0"/>
               <a:t> Bootstrap</a:t>
             </a:r>
-            <a:endParaRPr lang="en-US" dirty="0" smtClean="0"/>
+          </a:p>
+          <a:p>
+            <a:r>
+              <a:rPr lang="en-US" dirty="0" smtClean="0"/>
+              <a:t>How can we benefit from Tailwind CSS?</a:t>
+            </a:r>
           </a:p>
           <a:p>
             <a:r>
@@ -4439,7 +4428,7 @@
           <a:p>
             <a:r>
               <a:rPr lang="en-US" dirty="0" smtClean="0"/>
-              <a:t>What is Svelte?</a:t>
+              <a:t>What is Tailwind CSS?</a:t>
             </a:r>
             <a:br>
               <a:rPr lang="en-US" dirty="0" smtClean="0"/>
@@ -4670,27 +4659,11 @@
             <a:pPr lvl="1"/>
             <a:r>
               <a:rPr lang="en-US" b="1" dirty="0" smtClean="0"/>
-              <a:t>Svelte</a:t>
+              <a:t>Tailwind CSS </a:t>
             </a:r>
             <a:r>
               <a:rPr lang="en-US" dirty="0" smtClean="0"/>
-              <a:t> is a modern front-end framework used for building user interfaces, especially single-page applications (SPAs).  Svelte takes a unique approach by </a:t>
-            </a:r>
-            <a:r>
-              <a:rPr lang="en-US" b="1" dirty="0" smtClean="0"/>
-              <a:t>compiling components to highly optimized vanilla JavaScript</a:t>
-            </a:r>
-            <a:r>
-              <a:rPr lang="en-US" dirty="0" smtClean="0"/>
-              <a:t> during build time, rather than relying on a virtual DOM or runtime to manage updates in the browser like traditional method utilize by React, </a:t>
-            </a:r>
-            <a:r>
-              <a:rPr lang="en-US" dirty="0" err="1" smtClean="0"/>
-              <a:t>Vue</a:t>
-            </a:r>
-            <a:r>
-              <a:rPr lang="en-US" dirty="0" smtClean="0"/>
-              <a:t>, or Angular.</a:t>
+              <a:t>is a utility-first CSS framework that allows developers to build custom designs directly in their markup. Unlike traditional CSS frameworks that provide predefined components, Tailwind focuses on low-level utility classes that enable developers to style elements by composing these classes in their HTML</a:t>
             </a:r>
             <a:endParaRPr lang="en-US" dirty="0"/>
           </a:p>
@@ -4728,7 +4701,7 @@
       </p:sp>
       <p:pic>
         <p:nvPicPr>
-          <p:cNvPr id="2" name="Picture 2" descr="Svelte&quot; Icon - Download for free – Iconduck"/>
+          <p:cNvPr id="7170" name="Picture 2" descr="Tailwind CSS SVG and transparent PNG icons | TechIcons"/>
           <p:cNvPicPr>
             <a:picLocks noChangeAspect="1" noChangeArrowheads="1"/>
           </p:cNvPicPr>
@@ -4743,8 +4716,8 @@
         </p:blipFill>
         <p:spPr bwMode="auto">
           <a:xfrm>
-            <a:off x="3416360" y="3655443"/>
-            <a:ext cx="4876800" cy="1190625"/>
+            <a:off x="4617508" y="3196166"/>
+            <a:ext cx="2143125" cy="2143125"/>
           </a:xfrm>
           <a:prstGeom prst="rect">
             <a:avLst/>
@@ -4848,7 +4821,7 @@
           <a:p>
             <a:r>
               <a:rPr lang="en-US" sz="3200" dirty="0" smtClean="0"/>
-              <a:t>Advantages and Disadvantages of Svelte</a:t>
+              <a:t>Advantages and Disadvantages of Tailwind CSS</a:t>
             </a:r>
             <a:endParaRPr lang="en-US" sz="3200" dirty="0"/>
           </a:p>
@@ -4906,7 +4879,7 @@
         </p:nvGraphicFramePr>
         <p:xfrm>
           <a:off x="1094595" y="1258224"/>
-          <a:ext cx="9803442" cy="4602564"/>
+          <a:ext cx="9803442" cy="4358724"/>
         </p:xfrm>
         <a:graphic>
           <a:graphicData uri="http://schemas.openxmlformats.org/drawingml/2006/table">
@@ -4950,7 +4923,7 @@
                   <a:tcPr/>
                 </a:tc>
               </a:tr>
-              <a:tr h="757399">
+              <a:tr h="443492">
                 <a:tc>
                   <a:txBody>
                     <a:bodyPr/>
@@ -4958,11 +4931,15 @@
                     <a:p>
                       <a:r>
                         <a:rPr lang="en-US" sz="1100" b="1" dirty="0" smtClean="0"/>
-                        <a:t>No Virtual DOM</a:t>
+                        <a:t>Utility-First</a:t>
+                      </a:r>
+                      <a:r>
+                        <a:rPr lang="en-US" sz="1100" b="1" baseline="0" dirty="0" smtClean="0"/>
+                        <a:t> Approach</a:t>
                       </a:r>
                       <a:r>
                         <a:rPr lang="en-US" sz="1100" dirty="0" smtClean="0"/>
-                        <a:t>: By eliminating the virtual DOM and compiling directly to JavaScript, Svelte applications tend to have smaller bundle sizes and perform better in terms of speed and memory usage compared to frameworks that use a virtual DOM.</a:t>
+                        <a:t>: Allows for rapid prototyping and development by using small, reusable utility classes.</a:t>
                       </a:r>
                     </a:p>
                     <a:p>
@@ -4978,28 +4955,77 @@
                     <a:p>
                       <a:r>
                         <a:rPr lang="en-US" sz="1100" b="1" dirty="0" smtClean="0"/>
-                        <a:t>Smaller Ecosystem</a:t>
+                        <a:t>Class</a:t>
+                      </a:r>
+                      <a:r>
+                        <a:rPr lang="en-US" sz="1100" b="1" baseline="0" dirty="0" smtClean="0"/>
+                        <a:t> Bloat in HTML</a:t>
                       </a:r>
                       <a:r>
                         <a:rPr lang="en-US" sz="1100" dirty="0" smtClean="0"/>
-                        <a:t>:  </a:t>
-                      </a:r>
-                      <a:r>
-                        <a:rPr lang="en-US" sz="1100" dirty="0" err="1" smtClean="0"/>
-                        <a:t>Svelte’s</a:t>
+                        <a:t>:  HTML files can become cluttered with many utility classes, which may reduce readability and maintainability.</a:t>
+                      </a:r>
+                      <a:endParaRPr lang="en-US" sz="1100" dirty="0"/>
+                    </a:p>
+                  </a:txBody>
+                  <a:tcPr/>
+                </a:tc>
+              </a:tr>
+              <a:tr h="568799">
+                <a:tc>
+                  <a:txBody>
+                    <a:bodyPr/>
+                    <a:lstStyle/>
+                    <a:p>
+                      <a:r>
+                        <a:rPr lang="en-US" sz="1100" b="1" dirty="0" smtClean="0"/>
+                        <a:t>Easy</a:t>
+                      </a:r>
+                      <a:r>
+                        <a:rPr lang="en-US" sz="1100" b="1" baseline="0" dirty="0" smtClean="0"/>
+                        <a:t> to Learn</a:t>
                       </a:r>
                       <a:r>
                         <a:rPr lang="en-US" sz="1100" dirty="0" smtClean="0"/>
-                        <a:t> ecosystem is smaller compared to more mature frameworks like React or </a:t>
-                      </a:r>
-                      <a:r>
-                        <a:rPr lang="en-US" sz="1100" dirty="0" err="1" smtClean="0"/>
-                        <a:t>Vue</a:t>
+                        <a:t>:  The syntax is straightforward, making it accessible for beginners as well as experienced developers.</a:t>
+                      </a:r>
+                    </a:p>
+                  </a:txBody>
+                  <a:tcPr/>
+                </a:tc>
+                <a:tc>
+                  <a:txBody>
+                    <a:bodyPr/>
+                    <a:lstStyle/>
+                    <a:p>
+                      <a:pPr marL="0" marR="0" indent="0" algn="l" defTabSz="914400" rtl="0" eaLnBrk="1" fontAlgn="auto" latinLnBrk="0" hangingPunct="1">
+                        <a:lnSpc>
+                          <a:spcPct val="100000"/>
+                        </a:lnSpc>
+                        <a:spcBef>
+                          <a:spcPts val="0"/>
+                        </a:spcBef>
+                        <a:spcAft>
+                          <a:spcPts val="0"/>
+                        </a:spcAft>
+                        <a:buClrTx/>
+                        <a:buSzTx/>
+                        <a:buFontTx/>
+                        <a:buNone/>
+                        <a:tabLst/>
+                        <a:defRPr/>
+                      </a:pPr>
+                      <a:r>
+                        <a:rPr lang="en-US" sz="1100" b="1" dirty="0" smtClean="0"/>
+                        <a:t>Learning Curve</a:t>
                       </a:r>
                       <a:r>
                         <a:rPr lang="en-US" sz="1100" dirty="0" smtClean="0"/>
-                        <a:t>. While it’s growing, the range of third-party libraries and tools isn’t as extensive as what’s available for React.</a:t>
-                      </a:r>
+                        <a:t>:  Although easy to learn, developers accustomed to traditional CSS frameworks may need time to adapt to the utility-first paradigm.</a:t>
+                      </a:r>
+                    </a:p>
+                    <a:p>
+                      <a:endParaRPr lang="en-US" sz="1100" dirty="0" smtClean="0"/>
                     </a:p>
                     <a:p>
                       <a:endParaRPr lang="en-US" sz="1100" dirty="0"/>
@@ -5016,14 +5042,24 @@
                     <a:p>
                       <a:r>
                         <a:rPr lang="en-US" sz="1100" b="1" dirty="0" smtClean="0"/>
-                        <a:t>Smaller Bundle Sizes</a:t>
+                        <a:t>Responsive</a:t>
+                      </a:r>
+                      <a:r>
+                        <a:rPr lang="en-US" sz="1100" b="1" baseline="0" dirty="0" smtClean="0"/>
+                        <a:t> Design</a:t>
                       </a:r>
                       <a:r>
                         <a:rPr lang="en-US" sz="1100" dirty="0" smtClean="0"/>
-                        <a:t>:  Because there’s no runtime framework included, the final compiled JavaScript is smaller, which means faster load times and lower memory usage for users.</a:t>
-                      </a:r>
-                    </a:p>
-                    <a:p>
+                        <a:t>:</a:t>
+                      </a:r>
+                      <a:r>
+                        <a:rPr lang="en-US" sz="1100" baseline="0" dirty="0" smtClean="0"/>
+                        <a:t>  </a:t>
+                      </a:r>
+                      <a:r>
+                        <a:rPr lang="en-US" sz="1100" dirty="0" smtClean="0"/>
+                        <a:t>Built-in support for responsive design, making it easy to apply different styles at various screen sizes with simple class prefixes.</a:t>
+                      </a:r>
                       <a:endParaRPr lang="en-US" sz="1100" dirty="0"/>
                     </a:p>
                   </a:txBody>
@@ -5036,19 +5072,51 @@
                     <a:p>
                       <a:r>
                         <a:rPr lang="en-US" sz="1100" b="1" dirty="0" smtClean="0"/>
-                        <a:t>Limited Corporate Adoption</a:t>
+                        <a:t>Initial Setup</a:t>
                       </a:r>
                       <a:r>
                         <a:rPr lang="en-US" sz="1100" dirty="0" smtClean="0"/>
-                        <a:t>:  Svelte is not as widely adopted by large companies compared to React, </a:t>
-                      </a:r>
-                      <a:r>
-                        <a:rPr lang="en-US" sz="1100" dirty="0" err="1" smtClean="0"/>
-                        <a:t>Vue</a:t>
+                        <a:t>:  Setting up Tailwind with custom configurations may require more effort compared to traditional CSS frameworks, especially for new projects.</a:t>
+                      </a:r>
+                    </a:p>
+                    <a:p>
+                      <a:endParaRPr lang="en-US" sz="1100" dirty="0"/>
+                    </a:p>
+                  </a:txBody>
+                  <a:tcPr/>
+                </a:tc>
+              </a:tr>
+              <a:tr h="568960">
+                <a:tc>
+                  <a:txBody>
+                    <a:bodyPr/>
+                    <a:lstStyle/>
+                    <a:p>
+                      <a:r>
+                        <a:rPr lang="en-US" sz="1100" b="1" dirty="0" smtClean="0"/>
+                        <a:t>Reduced CSS Bloat</a:t>
                       </a:r>
                       <a:r>
                         <a:rPr lang="en-US" sz="1100" dirty="0" smtClean="0"/>
-                        <a:t>, or Angular, which may limit job opportunities or corporate investment in the framework.</a:t>
+                        <a:t>:  The purge feature removes unused styles during production builds, resulting in smaller CSS file sizes.</a:t>
+                      </a:r>
+                      <a:endParaRPr lang="en-US" sz="1100" dirty="0"/>
+                    </a:p>
+                  </a:txBody>
+                  <a:tcPr/>
+                </a:tc>
+                <a:tc>
+                  <a:txBody>
+                    <a:bodyPr/>
+                    <a:lstStyle/>
+                    <a:p>
+                      <a:r>
+                        <a:rPr lang="en-US" sz="1100" b="1" dirty="0" smtClean="0"/>
+                        <a:t>Limited pre-built Components</a:t>
+                      </a:r>
+                      <a:r>
+                        <a:rPr lang="en-US" sz="1100" dirty="0" smtClean="0"/>
+                        <a:t>: Unlike component-based frameworks, Tailwind does not provide a library of pre-designed components, which may require additional work to create custom components.</a:t>
                       </a:r>
                     </a:p>
                     <a:p>
@@ -5066,19 +5134,11 @@
                     <a:p>
                       <a:r>
                         <a:rPr lang="en-US" sz="1100" b="1" dirty="0" smtClean="0"/>
-                        <a:t>Minimal Boilerplate</a:t>
+                        <a:t>Great Documentation</a:t>
                       </a:r>
                       <a:r>
                         <a:rPr lang="en-US" sz="1100" dirty="0" smtClean="0"/>
-                        <a:t>:</a:t>
-                      </a:r>
-                      <a:r>
-                        <a:rPr lang="en-US" sz="1100" baseline="0" dirty="0" smtClean="0"/>
-                        <a:t>  </a:t>
-                      </a:r>
-                      <a:r>
-                        <a:rPr lang="en-US" sz="1100" dirty="0" smtClean="0"/>
-                        <a:t>Svelte offers a more concise way to write reactive code without boilerplate. Its reactivity is built into the language itself, meaning developers can write fewer lines of code to achieve the same functionality compared to other frameworks.</a:t>
+                        <a:t>:  Well-organized and comprehensive documentation helps developers understand and utilize the framework effectively.</a:t>
                       </a:r>
                       <a:endParaRPr lang="en-US" sz="1100" dirty="0"/>
                     </a:p>
@@ -5092,22 +5152,20 @@
                     <a:p>
                       <a:r>
                         <a:rPr lang="en-US" sz="1100" b="1" dirty="0" smtClean="0"/>
-                        <a:t>Community and Tooling</a:t>
+                        <a:t>Dependency on Build Tools</a:t>
                       </a:r>
                       <a:r>
                         <a:rPr lang="en-US" sz="1100" dirty="0" smtClean="0"/>
-                        <a:t>:  Although Svelte has an active community, it is smaller compared to React or </a:t>
+                        <a:t>: Effective use of Tailwind often requires a build process (like </a:t>
                       </a:r>
                       <a:r>
                         <a:rPr lang="en-US" sz="1100" dirty="0" err="1" smtClean="0"/>
-                        <a:t>Vue</a:t>
+                        <a:t>PostCSS</a:t>
                       </a:r>
                       <a:r>
                         <a:rPr lang="en-US" sz="1100" dirty="0" smtClean="0"/>
-                        <a:t>, which have massive communities and extensive resources. Similarly, while Svelte has solid tooling, it doesn’t yet have the level of ecosystem maturity that you find in older frameworks.</a:t>
-                      </a:r>
-                    </a:p>
-                    <a:p>
+                        <a:t>), which may complicate simple projects or require additional tooling.</a:t>
+                      </a:r>
                       <a:endParaRPr lang="en-US" sz="1100" dirty="0"/>
                     </a:p>
                   </a:txBody>
@@ -5122,11 +5180,19 @@
                     <a:p>
                       <a:r>
                         <a:rPr lang="en-US" sz="1100" b="1" dirty="0" smtClean="0"/>
-                        <a:t>Simplicity and Developer Experience</a:t>
+                        <a:t>Customization</a:t>
                       </a:r>
                       <a:r>
                         <a:rPr lang="en-US" sz="1100" dirty="0" smtClean="0"/>
-                        <a:t>:  Svelte is designed to be easy to learn and use, with a clean and intuitive syntax that makes it accessible for beginners. It offers a great developer experience with features like reactive assignments and scoped styles.</a:t>
+                        <a:t>: Highly customizable through the </a:t>
+                      </a:r>
+                      <a:r>
+                        <a:rPr lang="en-US" sz="1100" b="1" dirty="0" err="1" smtClean="0"/>
+                        <a:t>tailwind.config.js</a:t>
+                      </a:r>
+                      <a:r>
+                        <a:rPr lang="en-US" sz="1100" dirty="0" smtClean="0"/>
+                        <a:t> file, enabling you to tailor the design system to your project's needs.</a:t>
                       </a:r>
                       <a:endParaRPr lang="en-US" sz="1100" dirty="0"/>
                     </a:p>
@@ -5138,59 +5204,32 @@
                     <a:bodyPr/>
                     <a:lstStyle/>
                     <a:p>
+                      <a:pPr marL="0" marR="0" indent="0" algn="l" defTabSz="914400" rtl="0" eaLnBrk="1" fontAlgn="auto" latinLnBrk="0" hangingPunct="1">
+                        <a:lnSpc>
+                          <a:spcPct val="100000"/>
+                        </a:lnSpc>
+                        <a:spcBef>
+                          <a:spcPts val="0"/>
+                        </a:spcBef>
+                        <a:spcAft>
+                          <a:spcPts val="0"/>
+                        </a:spcAft>
+                        <a:buClrTx/>
+                        <a:buSzTx/>
+                        <a:buFontTx/>
+                        <a:buNone/>
+                        <a:tabLst/>
+                        <a:defRPr/>
+                      </a:pPr>
                       <a:r>
                         <a:rPr lang="en-US" sz="1100" b="1" dirty="0" smtClean="0"/>
-                        <a:t>Learning Path for New Concepts</a:t>
+                        <a:t>JavaScript Size</a:t>
                       </a:r>
                       <a:r>
                         <a:rPr lang="en-US" sz="1100" dirty="0" smtClean="0"/>
-                        <a:t>: The approach Svelte takes is different from other frameworks, so developers coming from React or </a:t>
-                      </a:r>
-                      <a:r>
-                        <a:rPr lang="en-US" sz="1100" dirty="0" err="1" smtClean="0"/>
-                        <a:t>Vue</a:t>
-                      </a:r>
-                      <a:r>
-                        <a:rPr lang="en-US" sz="1100" dirty="0" smtClean="0"/>
-                        <a:t> might need time to get used to the compile-time reactivity model, stores, and the lack of a virtual DOM.</a:t>
+                        <a:t>: If using Tailwind in conjunction with a JavaScript framework, the resulting bundle size may increase due to the addition of utility classes.</a:t>
                       </a:r>
                     </a:p>
-                    <a:p>
-                      <a:endParaRPr lang="en-US" sz="1100" dirty="0"/>
-                    </a:p>
-                  </a:txBody>
-                  <a:tcPr/>
-                </a:tc>
-              </a:tr>
-              <a:tr h="191199">
-                <a:tc>
-                  <a:txBody>
-                    <a:bodyPr/>
-                    <a:lstStyle/>
-                    <a:p>
-                      <a:r>
-                        <a:rPr lang="en-US" sz="1100" b="1" dirty="0" smtClean="0"/>
-                        <a:t>Compile-Time Optimization</a:t>
-                      </a:r>
-                      <a:r>
-                        <a:rPr lang="en-US" sz="1100" dirty="0" smtClean="0"/>
-                        <a:t>:  Svelte moves the work traditionally done in the browser at runtime (such as rendering and state updates) to compile time, producing highly optimized JavaScript for better performance.</a:t>
-                      </a:r>
-                    </a:p>
-                    <a:p>
-                      <a:pPr>
-                        <a:buFont typeface="Arial"/>
-                        <a:buChar char="•"/>
-                      </a:pPr>
-                      <a:endParaRPr lang="en-US" sz="1100" dirty="0"/>
-                    </a:p>
-                  </a:txBody>
-                  <a:tcPr/>
-                </a:tc>
-                <a:tc>
-                  <a:txBody>
-                    <a:bodyPr/>
-                    <a:lstStyle/>
                     <a:p>
                       <a:endParaRPr lang="en-US" sz="1100" dirty="0"/>
                     </a:p>
@@ -5265,7 +5304,7 @@
           <a:p>
             <a:r>
               <a:rPr lang="en-US" dirty="0" smtClean="0"/>
-              <a:t>What is React?</a:t>
+              <a:t>What is Bootstrap?</a:t>
             </a:r>
             <a:br>
               <a:rPr lang="en-US" dirty="0" smtClean="0"/>
@@ -5481,7 +5520,7 @@
         <p:spPr>
           <a:xfrm>
             <a:off x="914400" y="1557866"/>
-            <a:ext cx="9982200" cy="1200329"/>
+            <a:ext cx="9982200" cy="923330"/>
           </a:xfrm>
           <a:prstGeom prst="rect">
             <a:avLst/>
@@ -5496,35 +5535,11 @@
             <a:pPr lvl="1"/>
             <a:r>
               <a:rPr lang="en-US" b="1" dirty="0" smtClean="0"/>
-              <a:t>React</a:t>
+              <a:t>Bootstrap</a:t>
             </a:r>
             <a:r>
               <a:rPr lang="en-US" dirty="0" smtClean="0"/>
-              <a:t> is a popular, also an open-source JavaScript library front end </a:t>
-            </a:r>
-            <a:r>
-              <a:rPr lang="en-US" dirty="0" err="1" smtClean="0"/>
-              <a:t>javascript</a:t>
-            </a:r>
-            <a:r>
-              <a:rPr lang="en-US" dirty="0" smtClean="0"/>
-              <a:t> framework, particularly for </a:t>
-            </a:r>
-            <a:r>
-              <a:rPr lang="en-US" b="1" dirty="0" smtClean="0"/>
-              <a:t>single-page applications (SPAs)</a:t>
-            </a:r>
-            <a:r>
-              <a:rPr lang="en-US" dirty="0" smtClean="0"/>
-              <a:t>. React allows dynamic web applications that can update and render efficiently in response to changing data, without requiring a full page reload similar to Svelte. Developed by </a:t>
-            </a:r>
-            <a:r>
-              <a:rPr lang="en-US" b="1" dirty="0" err="1" smtClean="0"/>
-              <a:t>Facebook</a:t>
-            </a:r>
-            <a:r>
-              <a:rPr lang="en-US" dirty="0" smtClean="0"/>
-              <a:t> and released in 2013.</a:t>
+              <a:t>, a popular component based open-source front-end framework for developing responsive and mobile-first websites and web applications. Created by Twitter and has since become one of the most widely used frameworks in web development.</a:t>
             </a:r>
             <a:endParaRPr lang="en-US" dirty="0"/>
           </a:p>
@@ -5562,7 +5577,7 @@
       </p:sp>
       <p:pic>
         <p:nvPicPr>
-          <p:cNvPr id="25605" name="Picture 5"/>
+          <p:cNvPr id="5122" name="Picture 2" descr="Index of /static/bootstrap-5.2.0/site/static/docs/5.2/assets/brand/"/>
           <p:cNvPicPr>
             <a:picLocks noChangeAspect="1" noChangeArrowheads="1"/>
           </p:cNvPicPr>
@@ -5577,20 +5592,13 @@
         </p:blipFill>
         <p:spPr bwMode="auto">
           <a:xfrm>
-            <a:off x="4161706" y="3164556"/>
-            <a:ext cx="3182249" cy="2798184"/>
+            <a:off x="4422775" y="3005667"/>
+            <a:ext cx="2714626" cy="2714626"/>
           </a:xfrm>
           <a:prstGeom prst="rect">
             <a:avLst/>
           </a:prstGeom>
           <a:noFill/>
-          <a:ln w="9525">
-            <a:noFill/>
-            <a:miter lim="800000"/>
-            <a:headEnd/>
-            <a:tailEnd/>
-          </a:ln>
-          <a:effectLst/>
         </p:spPr>
       </p:pic>
     </p:spTree>
@@ -5689,7 +5697,7 @@
           <a:p>
             <a:r>
               <a:rPr lang="en-US" sz="3200" dirty="0" smtClean="0"/>
-              <a:t>Advantages and Disadvantages of React</a:t>
+              <a:t>Advantages and Disadvantages of Bootstrap</a:t>
             </a:r>
             <a:endParaRPr lang="en-US" sz="3200" dirty="0"/>
           </a:p>
@@ -5747,7 +5755,7 @@
         </p:nvGraphicFramePr>
         <p:xfrm>
           <a:off x="1094595" y="1258224"/>
-          <a:ext cx="9803442" cy="4602564"/>
+          <a:ext cx="9803442" cy="4023444"/>
         </p:xfrm>
         <a:graphic>
           <a:graphicData uri="http://schemas.openxmlformats.org/drawingml/2006/table">
@@ -5799,11 +5807,19 @@
                     <a:p>
                       <a:r>
                         <a:rPr lang="en-US" sz="1100" b="1" dirty="0" smtClean="0"/>
-                        <a:t>Performance</a:t>
+                        <a:t>Fast</a:t>
+                      </a:r>
+                      <a:r>
+                        <a:rPr lang="en-US" sz="1100" b="1" baseline="0" dirty="0" smtClean="0"/>
+                        <a:t> </a:t>
+                      </a:r>
+                      <a:r>
+                        <a:rPr lang="en-US" sz="1100" b="1" dirty="0" smtClean="0"/>
+                        <a:t>Development</a:t>
                       </a:r>
                       <a:r>
                         <a:rPr lang="en-US" sz="1100" dirty="0" smtClean="0"/>
-                        <a:t>:  Virtual DOM minimizes the number of direct updates to the actual DOM, hence better performance in complex applications where frequent updates are necessary.</a:t>
+                        <a:t>:  Bootstrap provides a wide range of pre-styled components, allowing developers to quickly build responsive layouts and user interfaces without starting from scratch.</a:t>
                       </a:r>
                     </a:p>
                     <a:p>
@@ -5819,14 +5835,12 @@
                     <a:p>
                       <a:r>
                         <a:rPr lang="en-US" sz="1100" b="1" dirty="0" smtClean="0"/>
-                        <a:t>Steep Learning Curve</a:t>
+                        <a:t>Customization Learning Curve</a:t>
                       </a:r>
                       <a:r>
                         <a:rPr lang="en-US" sz="1100" dirty="0" smtClean="0"/>
-                        <a:t>:  While React is not overly difficult to learn, understanding concepts like the virtual DOM, JSX, hooks, and the ecosystem of libraries can be challenging for beginners, especially when compared to simpler frameworks.</a:t>
-                      </a:r>
-                    </a:p>
-                    <a:p>
+                        <a:t>:  While it is easy to get started, customizing Bootstrap extensively can be complex and may require a deeper understanding of its Sass structure.</a:t>
+                      </a:r>
                       <a:endParaRPr lang="en-US" sz="1100" dirty="0"/>
                     </a:p>
                   </a:txBody>
@@ -5841,19 +5855,11 @@
                     <a:p>
                       <a:r>
                         <a:rPr lang="en-US" sz="1100" b="1" dirty="0" smtClean="0"/>
-                        <a:t>Reusability</a:t>
+                        <a:t>Cross-Browser Compatibility</a:t>
                       </a:r>
                       <a:r>
                         <a:rPr lang="en-US" sz="1100" dirty="0" smtClean="0"/>
-                        <a:t>: Component-based architecture allows for highly </a:t>
-                      </a:r>
-                      <a:r>
-                        <a:rPr lang="en-US" sz="1100" b="1" dirty="0" smtClean="0"/>
-                        <a:t>reusable components</a:t>
-                      </a:r>
-                      <a:r>
-                        <a:rPr lang="en-US" sz="1100" dirty="0" smtClean="0"/>
-                        <a:t>, reducing redundancy in code and speeding up development. Components can be shared across different parts of an application or even across multiple projects.</a:t>
+                        <a:t>:  Designed to work well across all modern browsers, ensuring a consistent experience for users regardless of their browser choice.</a:t>
                       </a:r>
                     </a:p>
                     <a:p>
@@ -5869,19 +5875,15 @@
                     <a:p>
                       <a:r>
                         <a:rPr lang="en-US" sz="1100" b="1" dirty="0" smtClean="0"/>
-                        <a:t>Overhead of Boilerplate</a:t>
+                        <a:t>Class</a:t>
+                      </a:r>
+                      <a:r>
+                        <a:rPr lang="en-US" sz="1100" b="1" baseline="0" dirty="0" smtClean="0"/>
+                        <a:t> Bloat</a:t>
                       </a:r>
                       <a:r>
                         <a:rPr lang="en-US" sz="1100" dirty="0" smtClean="0"/>
-                        <a:t>:  In larger applications, developers might find themselves writing boilerplate code, especially when using state management libraries like </a:t>
-                      </a:r>
-                      <a:r>
-                        <a:rPr lang="en-US" sz="1100" dirty="0" err="1" smtClean="0"/>
-                        <a:t>Redux</a:t>
-                      </a:r>
-                      <a:r>
-                        <a:rPr lang="en-US" sz="1100" dirty="0" smtClean="0"/>
-                        <a:t>.</a:t>
+                        <a:t>:  Similar to Tailwind CSS,  HTML can become cluttered with numerous class names, which may impact readability and maintainability, especially in larger projects.</a:t>
                       </a:r>
                     </a:p>
                   </a:txBody>
@@ -5900,7 +5902,15 @@
                       </a:r>
                       <a:r>
                         <a:rPr lang="en-US" sz="1100" dirty="0" smtClean="0"/>
-                        <a:t>:  React has a vast ecosystem of third-party libraries and tools. This means that for almost any feature or functionality, there is likely a mature library or solution available.</a:t>
+                        <a:t>:  With a large user base and community, Bootstrap has a wealth of resources, including themes, templates, and </a:t>
+                      </a:r>
+                      <a:r>
+                        <a:rPr lang="en-US" sz="1100" dirty="0" err="1" smtClean="0"/>
+                        <a:t>plugins</a:t>
+                      </a:r>
+                      <a:r>
+                        <a:rPr lang="en-US" sz="1100" dirty="0" smtClean="0"/>
+                        <a:t>, which can enhance functionality and aesthetics.</a:t>
                       </a:r>
                       <a:endParaRPr lang="en-US" sz="1100" dirty="0"/>
                     </a:p>
@@ -5914,28 +5924,24 @@
                     <a:p>
                       <a:r>
                         <a:rPr lang="en-US" sz="1100" b="1" dirty="0" smtClean="0"/>
-                        <a:t>Complex State Management</a:t>
+                        <a:t>JavaScript</a:t>
+                      </a:r>
+                      <a:r>
+                        <a:rPr lang="en-US" sz="1100" b="1" baseline="0" dirty="0" smtClean="0"/>
+                        <a:t> Dependency:  </a:t>
                       </a:r>
                       <a:r>
                         <a:rPr lang="en-US" sz="1100" dirty="0" smtClean="0"/>
-                        <a:t>:</a:t>
-                      </a:r>
-                    </a:p>
-                    <a:p>
+                        <a:t>Some Bootstrap components rely on </a:t>
+                      </a:r>
+                      <a:r>
+                        <a:rPr lang="en-US" sz="1100" dirty="0" err="1" smtClean="0"/>
+                        <a:t>jQuery</a:t>
+                      </a:r>
                       <a:r>
                         <a:rPr lang="en-US" sz="1100" dirty="0" smtClean="0"/>
-                        <a:t>For small applications, React’s state management is simple. However, as applications grow, managing state across many components can become complex. Libraries like </a:t>
-                      </a:r>
-                      <a:r>
-                        <a:rPr lang="en-US" sz="1100" dirty="0" err="1" smtClean="0"/>
-                        <a:t>Redux</a:t>
-                      </a:r>
-                      <a:r>
-                        <a:rPr lang="en-US" sz="1100" dirty="0" smtClean="0"/>
-                        <a:t> offer solutions, but they also add additional complexity.</a:t>
-                      </a:r>
-                    </a:p>
-                    <a:p>
+                        <a:t>, which can add extra weight to a project, although Bootstrap 5 has removed this dependency in favor of vanilla JavaScript.</a:t>
+                      </a:r>
                       <a:endParaRPr lang="en-US" sz="1100" dirty="0"/>
                     </a:p>
                   </a:txBody>
@@ -5950,31 +5956,19 @@
                     <a:p>
                       <a:r>
                         <a:rPr lang="en-US" sz="1100" b="1" dirty="0" smtClean="0"/>
-                        <a:t>Developer Experience</a:t>
+                        <a:t>Customization</a:t>
                       </a:r>
                       <a:r>
                         <a:rPr lang="en-US" sz="1100" dirty="0" smtClean="0"/>
-                        <a:t>: Declarative syntax, combined with modern development tools like </a:t>
-                      </a:r>
-                      <a:r>
-                        <a:rPr lang="en-US" sz="1100" b="1" dirty="0" smtClean="0"/>
-                        <a:t>React </a:t>
-                      </a:r>
-                      <a:r>
-                        <a:rPr lang="en-US" sz="1100" b="1" dirty="0" err="1" smtClean="0"/>
-                        <a:t>DevTools</a:t>
+                        <a:t>: Bootstrap can be easily customized using Sass variables and </a:t>
+                      </a:r>
+                      <a:r>
+                        <a:rPr lang="en-US" sz="1100" dirty="0" err="1" smtClean="0"/>
+                        <a:t>mixins</a:t>
                       </a:r>
                       <a:r>
                         <a:rPr lang="en-US" sz="1100" dirty="0" smtClean="0"/>
-                        <a:t>, provides a great developer experience. The introduction of </a:t>
-                      </a:r>
-                      <a:r>
-                        <a:rPr lang="en-US" sz="1100" b="1" dirty="0" smtClean="0"/>
-                        <a:t>Hooks</a:t>
-                      </a:r>
-                      <a:r>
-                        <a:rPr lang="en-US" sz="1100" dirty="0" smtClean="0"/>
-                        <a:t> simplified state management and side effects, making it easier to write and manage React components.</a:t>
+                        <a:t>, allowing developers to change default styles and create their own themes.</a:t>
                       </a:r>
                       <a:endParaRPr lang="en-US" sz="1100" dirty="0"/>
                     </a:p>
@@ -5988,19 +5982,11 @@
                     <a:p>
                       <a:r>
                         <a:rPr lang="en-US" sz="1100" b="1" dirty="0" smtClean="0"/>
-                        <a:t>Frequent Updates and Breaking Changes</a:t>
+                        <a:t>Less Flexibility</a:t>
                       </a:r>
                       <a:r>
                         <a:rPr lang="en-US" sz="1100" dirty="0" smtClean="0"/>
-                        <a:t>: React is under active development, and new versions and updates are frequently released. Although major breaking changes are rare, keeping up with new features (like </a:t>
-                      </a:r>
-                      <a:r>
-                        <a:rPr lang="en-US" sz="1100" b="1" dirty="0" smtClean="0"/>
-                        <a:t>Hooks</a:t>
-                      </a:r>
-                      <a:r>
-                        <a:rPr lang="en-US" sz="1100" dirty="0" smtClean="0"/>
-                        <a:t> when they were introduced) or adopting new patterns can feel overwhelming.</a:t>
+                        <a:t>: The component-based nature may limit flexibility, requiring more effort to deviate from Bootstrap's design principles and create custom styles.</a:t>
                       </a:r>
                     </a:p>
                   </a:txBody>
@@ -6015,26 +6001,78 @@
                     <a:p>
                       <a:r>
                         <a:rPr lang="en-US" sz="1100" b="1" dirty="0" smtClean="0"/>
-                        <a:t>Backward Compatibility</a:t>
+                        <a:t>Responsive Design</a:t>
                       </a:r>
                       <a:r>
                         <a:rPr lang="en-US" sz="1100" dirty="0" smtClean="0"/>
-                        <a:t>:  React has a strong focus on </a:t>
-                      </a:r>
+                        <a:t>:  The framework includes a responsive grid system and utility classes, making it easy to create designs that adapt to various screen sizes and devices.</a:t>
+                      </a:r>
+                      <a:endParaRPr lang="en-US" sz="1100" dirty="0"/>
+                    </a:p>
+                  </a:txBody>
+                  <a:tcPr/>
+                </a:tc>
+                <a:tc>
+                  <a:txBody>
+                    <a:bodyPr/>
+                    <a:lstStyle/>
+                    <a:p>
                       <a:r>
                         <a:rPr lang="en-US" sz="1100" b="1" dirty="0" smtClean="0"/>
-                        <a:t>backward compatibility</a:t>
+                        <a:t>Uniform</a:t>
+                      </a:r>
+                      <a:r>
+                        <a:rPr lang="en-US" sz="1100" b="1" baseline="0" dirty="0" smtClean="0"/>
+                        <a:t> Look</a:t>
+                      </a:r>
+                      <a:r>
+                        <a:rPr lang="en-US" sz="1100" b="1" dirty="0" smtClean="0"/>
+                        <a:t>:  </a:t>
+                      </a:r>
+                      <a:r>
+                        <a:rPr lang="en-US" sz="1100" b="1" baseline="0" dirty="0" smtClean="0"/>
+                        <a:t> </a:t>
                       </a:r>
                       <a:r>
                         <a:rPr lang="en-US" sz="1100" dirty="0" smtClean="0"/>
-                        <a:t>, which ensures that updates to the library don't break existing code. Easier to maintain and upgrade React projects over time.</a:t>
-                      </a:r>
+                        <a:t>Bootstrap's pre-designed components can lead to a "Bootstrap look" across different projects, making it harder to create unique designs without significant customization.</a:t>
+                      </a:r>
+                      <a:endParaRPr lang="en-US" sz="1100" dirty="0"/>
                     </a:p>
+                  </a:txBody>
+                  <a:tcPr/>
+                </a:tc>
+              </a:tr>
+              <a:tr h="191199">
+                <a:tc>
+                  <a:txBody>
+                    <a:bodyPr/>
+                    <a:lstStyle/>
                     <a:p>
-                      <a:pPr>
-                        <a:buFont typeface="Arial"/>
-                        <a:buChar char="•"/>
-                      </a:pPr>
+                      <a:r>
+                        <a:rPr lang="en-US" sz="1100" b="1" dirty="0" err="1" smtClean="0"/>
+                        <a:t>Buit</a:t>
+                      </a:r>
+                      <a:r>
+                        <a:rPr lang="en-US" sz="1100" b="1" dirty="0" smtClean="0"/>
+                        <a:t>-in</a:t>
+                      </a:r>
+                      <a:r>
+                        <a:rPr lang="en-US" sz="1100" b="1" baseline="0" dirty="0" smtClean="0"/>
+                        <a:t> JS component</a:t>
+                      </a:r>
+                      <a:r>
+                        <a:rPr lang="en-US" sz="1100" dirty="0" smtClean="0"/>
+                        <a:t>: The framework comes with several JavaScript </a:t>
+                      </a:r>
+                      <a:r>
+                        <a:rPr lang="en-US" sz="1100" dirty="0" err="1" smtClean="0"/>
+                        <a:t>plugins</a:t>
+                      </a:r>
+                      <a:r>
+                        <a:rPr lang="en-US" sz="1100" dirty="0" smtClean="0"/>
+                        <a:t> that provide interactive features (e.g., modals, dropdowns, tooltips) without requiring additional libraries.</a:t>
+                      </a:r>
                       <a:endParaRPr lang="en-US" sz="1100" dirty="0"/>
                     </a:p>
                   </a:txBody>
@@ -6151,7 +6189,7 @@
           <a:p>
             <a:r>
               <a:rPr lang="en-US" sz="3200" dirty="0" smtClean="0"/>
-              <a:t>When to use Svelte </a:t>
+              <a:t>When to use Tailwind CSS </a:t>
             </a:r>
             <a:r>
               <a:rPr lang="en-US" sz="3200" dirty="0" err="1" smtClean="0"/>
@@ -6159,9 +6197,8 @@
             </a:r>
             <a:r>
               <a:rPr lang="en-US" sz="3200" dirty="0" smtClean="0"/>
-              <a:t> React</a:t>
+              <a:t> Bootstrap</a:t>
             </a:r>
-            <a:endParaRPr lang="en-US" sz="3200" dirty="0"/>
           </a:p>
         </p:txBody>
       </p:sp>
@@ -6216,8 +6253,8 @@
           <p:nvPr/>
         </p:nvGraphicFramePr>
         <p:xfrm>
-          <a:off x="1094595" y="1258224"/>
-          <a:ext cx="9803442" cy="4602564"/>
+          <a:off x="1094595" y="1258225"/>
+          <a:ext cx="9803442" cy="4719241"/>
         </p:xfrm>
         <a:graphic>
           <a:graphicData uri="http://schemas.openxmlformats.org/drawingml/2006/table">
@@ -6229,7 +6266,7 @@
                 <a:gridCol w="4901721"/>
                 <a:gridCol w="4901721"/>
               </a:tblGrid>
-              <a:tr h="457284">
+              <a:tr h="382641">
                 <a:tc>
                   <a:txBody>
                     <a:bodyPr/>
@@ -6238,7 +6275,11 @@
                       <a:pPr algn="ctr"/>
                       <a:r>
                         <a:rPr lang="en-US" dirty="0" smtClean="0"/>
-                        <a:t>Svelte</a:t>
+                        <a:t>Tailwind</a:t>
+                      </a:r>
+                      <a:r>
+                        <a:rPr lang="en-US" baseline="0" dirty="0" smtClean="0"/>
+                        <a:t> CSS</a:t>
                       </a:r>
                       <a:endParaRPr lang="en-US" dirty="0"/>
                     </a:p>
@@ -6253,7 +6294,7 @@
                       <a:pPr algn="ctr"/>
                       <a:r>
                         <a:rPr lang="en-US" dirty="0" smtClean="0"/>
-                        <a:t>React</a:t>
+                        <a:t>Bootstrap</a:t>
                       </a:r>
                       <a:endParaRPr lang="en-US" dirty="0"/>
                     </a:p>
@@ -6261,28 +6302,44 @@
                   <a:tcPr/>
                 </a:tc>
               </a:tr>
-              <a:tr h="757399">
+              <a:tr h="972546">
                 <a:tc>
                   <a:txBody>
                     <a:bodyPr/>
                     <a:lstStyle/>
                     <a:p>
+                      <a:pPr marL="0" marR="0" indent="0" algn="l" defTabSz="914400" rtl="0" eaLnBrk="1" fontAlgn="auto" latinLnBrk="0" hangingPunct="1">
+                        <a:lnSpc>
+                          <a:spcPct val="100000"/>
+                        </a:lnSpc>
+                        <a:spcBef>
+                          <a:spcPts val="0"/>
+                        </a:spcBef>
+                        <a:spcAft>
+                          <a:spcPts val="0"/>
+                        </a:spcAft>
+                        <a:buClrTx/>
+                        <a:buSzTx/>
+                        <a:buFontTx/>
+                        <a:buNone/>
+                        <a:tabLst/>
+                        <a:defRPr/>
+                      </a:pPr>
                       <a:r>
                         <a:rPr lang="en-US" sz="1100" b="1" dirty="0" smtClean="0"/>
-                        <a:t>Smaller or Simpler Projects</a:t>
+                        <a:t>Custom Specific</a:t>
+                      </a:r>
+                      <a:r>
+                        <a:rPr lang="en-US" sz="1100" b="1" baseline="0" dirty="0" smtClean="0"/>
+                        <a:t> Design Needs</a:t>
                       </a:r>
                       <a:r>
                         <a:rPr lang="en-US" sz="1100" dirty="0" smtClean="0"/>
-                        <a:t>:  </a:t>
-                      </a:r>
-                      <a:r>
-                        <a:rPr lang="en-US" sz="1100" dirty="0" err="1" smtClean="0"/>
-                        <a:t>Selte</a:t>
-                      </a:r>
-                      <a:r>
-                        <a:rPr lang="en-US" sz="1100" dirty="0" smtClean="0"/>
-                        <a:t> is lightweight, has minimal boilerplate, and is easy to get started with. It’s great for projects that need to get off the ground quickly without a complex setup.</a:t>
-                      </a:r>
+                        <a:t>:  If your project requires a unique and custom design that doesn’t fit a predefined style, Tailwind’s utility-first approach allows for greater flexibility in creating tailored designs.</a:t>
+                      </a:r>
+                    </a:p>
+                    <a:p>
+                      <a:endParaRPr lang="en-US" sz="1100" dirty="0" smtClean="0"/>
                     </a:p>
                     <a:p>
                       <a:endParaRPr lang="en-US" sz="1100" dirty="0"/>
@@ -6295,44 +6352,40 @@
                     <a:bodyPr/>
                     <a:lstStyle/>
                     <a:p>
+                      <a:pPr marL="0" marR="0" indent="0" algn="l" defTabSz="914400" rtl="0" eaLnBrk="1" fontAlgn="auto" latinLnBrk="0" hangingPunct="1">
+                        <a:lnSpc>
+                          <a:spcPct val="100000"/>
+                        </a:lnSpc>
+                        <a:spcBef>
+                          <a:spcPts val="0"/>
+                        </a:spcBef>
+                        <a:spcAft>
+                          <a:spcPts val="0"/>
+                        </a:spcAft>
+                        <a:buClrTx/>
+                        <a:buSzTx/>
+                        <a:buFontTx/>
+                        <a:buNone/>
+                        <a:tabLst/>
+                        <a:defRPr/>
+                      </a:pPr>
                       <a:r>
                         <a:rPr lang="en-US" sz="1100" b="1" dirty="0" smtClean="0"/>
-                        <a:t>For Large-Scale, Complex Applications</a:t>
+                        <a:t>Standardized Designs</a:t>
                       </a:r>
                       <a:r>
                         <a:rPr lang="en-US" sz="1100" dirty="0" smtClean="0"/>
-                        <a:t>: React’s ecosystem is vast, and it offers well-established patterns for building large, complex applications. Libraries like </a:t>
-                      </a:r>
-                      <a:r>
-                        <a:rPr lang="en-US" sz="1100" b="1" dirty="0" err="1" smtClean="0"/>
-                        <a:t>Redux</a:t>
-                      </a:r>
-                      <a:r>
-                        <a:rPr lang="en-US" sz="1100" dirty="0" smtClean="0"/>
-                        <a:t> for state management, </a:t>
-                      </a:r>
-                      <a:r>
-                        <a:rPr lang="en-US" sz="1100" b="1" dirty="0" smtClean="0"/>
-                        <a:t>React Router</a:t>
-                      </a:r>
-                      <a:r>
-                        <a:rPr lang="en-US" sz="1100" dirty="0" smtClean="0"/>
-                        <a:t> for routing, and </a:t>
-                      </a:r>
-                      <a:r>
-                        <a:rPr lang="en-US" sz="1100" b="1" dirty="0" smtClean="0"/>
-                        <a:t>Next.js</a:t>
-                      </a:r>
-                      <a:r>
-                        <a:rPr lang="en-US" sz="1100" dirty="0" smtClean="0"/>
-                        <a:t> for server-side rendering are widely adopted in large projects.</a:t>
-                      </a:r>
+                        <a:t>: When you want to create a site with a familiar look and feel, Bootstrap’s components offer a standardized design language that many users are accustomed to.</a:t>
+                      </a:r>
+                    </a:p>
+                    <a:p>
+                      <a:endParaRPr lang="en-US" sz="1100" dirty="0" smtClean="0"/>
                     </a:p>
                   </a:txBody>
                   <a:tcPr/>
                 </a:tc>
               </a:tr>
-              <a:tr h="495730">
+              <a:tr h="621792">
                 <a:tc>
                   <a:txBody>
                     <a:bodyPr/>
@@ -6340,27 +6393,15 @@
                     <a:p>
                       <a:r>
                         <a:rPr lang="en-US" sz="1100" b="1" dirty="0" smtClean="0"/>
-                        <a:t>When Bundle Size and Performance Are Critical</a:t>
+                        <a:t>Quick</a:t>
+                      </a:r>
+                      <a:r>
+                        <a:rPr lang="en-US" sz="1100" b="1" baseline="0" dirty="0" smtClean="0"/>
+                        <a:t> Prototyping with Flexibility</a:t>
                       </a:r>
                       <a:r>
                         <a:rPr lang="en-US" sz="1100" dirty="0" smtClean="0"/>
-                        <a:t>: Svelte compiles components to highly optimized vanilla JavaScript at build time, leading to </a:t>
-                      </a:r>
-                      <a:r>
-                        <a:rPr lang="en-US" sz="1100" b="1" dirty="0" smtClean="0"/>
-                        <a:t>smaller bundle sizes</a:t>
-                      </a:r>
-                      <a:r>
-                        <a:rPr lang="en-US" sz="1100" dirty="0" smtClean="0"/>
-                        <a:t> and better </a:t>
-                      </a:r>
-                      <a:r>
-                        <a:rPr lang="en-US" sz="1100" b="1" dirty="0" smtClean="0"/>
-                        <a:t>runtime performance</a:t>
-                      </a:r>
-                      <a:r>
-                        <a:rPr lang="en-US" sz="1100" dirty="0" smtClean="0"/>
-                        <a:t>. There’s no virtual DOM overhead like in React, making Svelte faster for many scenarios.  </a:t>
+                        <a:t>: When you want to quickly prototype designs while retaining full control over the styles, Tailwind’s utility classes can help you build layouts without being restricted by predefined components.</a:t>
                       </a:r>
                       <a:endParaRPr lang="en-US" sz="1100" dirty="0"/>
                     </a:p>
@@ -6374,19 +6415,15 @@
                     <a:p>
                       <a:r>
                         <a:rPr lang="en-US" sz="1100" b="1" dirty="0" smtClean="0"/>
-                        <a:t>Need a Strong Ecosystem and Community Support</a:t>
+                        <a:t>Quick</a:t>
+                      </a:r>
+                      <a:r>
+                        <a:rPr lang="en-US" sz="1100" b="1" baseline="0" dirty="0" smtClean="0"/>
+                        <a:t> Development with Pre-built Components</a:t>
                       </a:r>
                       <a:r>
                         <a:rPr lang="en-US" sz="1100" dirty="0" smtClean="0"/>
-                        <a:t>: React has one of the largest developer communities and ecosystems. There are many</a:t>
-                      </a:r>
-                      <a:r>
-                        <a:rPr lang="en-US" sz="1100" baseline="0" dirty="0" smtClean="0"/>
-                        <a:t> </a:t>
-                      </a:r>
-                      <a:r>
-                        <a:rPr lang="en-US" sz="1100" dirty="0" smtClean="0"/>
-                        <a:t>React library for almost everything. More learning resources, tutorials, and problem-solving support.</a:t>
+                        <a:t>: If you need to develop a project quickly with a consistent look and feel, Bootstrap provides a wide range of pre-styled components that speed up the development process.</a:t>
                       </a:r>
                       <a:endParaRPr lang="en-US" sz="1100" dirty="0"/>
                     </a:p>
@@ -6394,7 +6431,7 @@
                   <a:tcPr/>
                 </a:tc>
               </a:tr>
-              <a:tr h="671134">
+              <a:tr h="972546">
                 <a:tc>
                   <a:txBody>
                     <a:bodyPr/>
@@ -6402,19 +6439,15 @@
                     <a:p>
                       <a:r>
                         <a:rPr lang="en-US" sz="1100" b="1" dirty="0" smtClean="0"/>
-                        <a:t>Building Fast Prototypes</a:t>
+                        <a:t>Dynamic and Complex</a:t>
+                      </a:r>
+                      <a:r>
+                        <a:rPr lang="en-US" sz="1100" b="1" baseline="0" dirty="0" smtClean="0"/>
+                        <a:t> UI</a:t>
                       </a:r>
                       <a:r>
                         <a:rPr lang="en-US" sz="1100" dirty="0" smtClean="0"/>
-                        <a:t>: </a:t>
-                      </a:r>
-                      <a:r>
-                        <a:rPr lang="en-US" sz="1100" dirty="0" err="1" smtClean="0"/>
-                        <a:t>Svelte’s</a:t>
-                      </a:r>
-                      <a:r>
-                        <a:rPr lang="en-US" sz="1100" dirty="0" smtClean="0"/>
-                        <a:t> minimal setup makes it ideal for quickly creating functional prototypes or MVPs. Its straightforward syntax means you can start developing features without spending much time on configuration.</a:t>
+                        <a:t>: For applications that involve intricate user interfaces or frequent design changes, Tailwind allows for easy adjustments without the need to overwrite existing styles.</a:t>
                       </a:r>
                       <a:endParaRPr lang="en-US" sz="1100" dirty="0"/>
                     </a:p>
@@ -6428,19 +6461,11 @@
                     <a:p>
                       <a:r>
                         <a:rPr lang="en-US" sz="1100" b="1" dirty="0" smtClean="0"/>
-                        <a:t>Working with a Large Team</a:t>
+                        <a:t>Consistency Across Projects</a:t>
                       </a:r>
                       <a:r>
                         <a:rPr lang="en-US" sz="1100" dirty="0" smtClean="0"/>
-                        <a:t>: React’s component-based architecture, combined with strict conventions and patterns (like using Hooks, the Context API, or </a:t>
-                      </a:r>
-                      <a:r>
-                        <a:rPr lang="en-US" sz="1100" dirty="0" err="1" smtClean="0"/>
-                        <a:t>Redux</a:t>
-                      </a:r>
-                      <a:r>
-                        <a:rPr lang="en-US" sz="1100" dirty="0" smtClean="0"/>
-                        <a:t>), makes it easier to scale development with multiple developers. React’s patterns are more established for maintaining and scaling large applications.</a:t>
+                        <a:t>: When maintaining consistency across multiple projects or team members, using Bootstrap ensures that designs adhere to a familiar framework.</a:t>
                       </a:r>
                     </a:p>
                     <a:p>
@@ -6450,7 +6475,7 @@
                   <a:tcPr/>
                 </a:tc>
               </a:tr>
-              <a:tr h="191199">
+              <a:tr h="797170">
                 <a:tc>
                   <a:txBody>
                     <a:bodyPr/>
@@ -6458,27 +6483,15 @@
                     <a:p>
                       <a:r>
                         <a:rPr lang="en-US" sz="1100" b="1" dirty="0" smtClean="0"/>
-                        <a:t>Progressive Web Apps (PWAs) with Excellent Performance</a:t>
+                        <a:t>Small</a:t>
+                      </a:r>
+                      <a:r>
+                        <a:rPr lang="en-US" sz="1100" b="1" baseline="0" dirty="0" smtClean="0"/>
+                        <a:t> Projects or Individual Components</a:t>
                       </a:r>
                       <a:r>
                         <a:rPr lang="en-US" sz="1100" dirty="0" smtClean="0"/>
-                        <a:t>:  </a:t>
-                      </a:r>
-                      <a:r>
-                        <a:rPr lang="en-US" sz="1100" dirty="0" err="1" smtClean="0"/>
-                        <a:t>Svelte’s</a:t>
-                      </a:r>
-                      <a:r>
-                        <a:rPr lang="en-US" sz="1100" dirty="0" smtClean="0"/>
-                        <a:t> low footprint and speed make it ideal for building </a:t>
-                      </a:r>
-                      <a:r>
-                        <a:rPr lang="en-US" sz="1100" b="1" dirty="0" smtClean="0"/>
-                        <a:t>PWAs</a:t>
-                      </a:r>
-                      <a:r>
-                        <a:rPr lang="en-US" sz="1100" dirty="0" smtClean="0"/>
-                        <a:t> that need to load quickly and perform well under various network conditions.</a:t>
+                        <a:t>:  Works well on smaller projects or individual components that require specific styling, Tailwind can be more efficient without the overhead of a full component library.</a:t>
                       </a:r>
                       <a:endParaRPr lang="en-US" sz="1100" dirty="0"/>
                     </a:p>
@@ -6492,27 +6505,15 @@
                     <a:p>
                       <a:r>
                         <a:rPr lang="en-US" sz="1100" b="1" dirty="0" smtClean="0"/>
-                        <a:t>Need a Stable and Mature Ecosystem</a:t>
+                        <a:t>Responsive</a:t>
+                      </a:r>
+                      <a:r>
+                        <a:rPr lang="en-US" sz="1100" b="1" baseline="0" dirty="0" smtClean="0"/>
+                        <a:t> Layouts with Ease</a:t>
                       </a:r>
                       <a:r>
                         <a:rPr lang="en-US" sz="1100" dirty="0" smtClean="0"/>
-                        <a:t>: React is mature and stable. Vast variety</a:t>
-                      </a:r>
-                      <a:r>
-                        <a:rPr lang="en-US" sz="1100" baseline="0" dirty="0" smtClean="0"/>
-                        <a:t> of</a:t>
-                      </a:r>
-                      <a:r>
-                        <a:rPr lang="en-US" sz="1100" dirty="0" smtClean="0"/>
-                        <a:t> tools and libraries specifically built to solve common issues like state management, routing, and side effects handling. Widely</a:t>
-                      </a:r>
-                      <a:r>
-                        <a:rPr lang="en-US" sz="1100" baseline="0" dirty="0" smtClean="0"/>
-                        <a:t> used </a:t>
-                      </a:r>
-                      <a:r>
-                        <a:rPr lang="en-US" sz="1100" dirty="0" smtClean="0"/>
-                        <a:t>in industry, hence easier to find experienced React developers.</a:t>
+                        <a:t>: For projects that require responsive designs but don’t need extensive customization, Bootstrap’s responsive grid system simplifies layout management.</a:t>
                       </a:r>
                       <a:endParaRPr lang="en-US" sz="1100" dirty="0"/>
                     </a:p>
@@ -6520,38 +6521,20 @@
                   <a:tcPr/>
                 </a:tc>
               </a:tr>
-              <a:tr h="191199">
+              <a:tr h="972546">
                 <a:tc>
                   <a:txBody>
                     <a:bodyPr/>
                     <a:lstStyle/>
                     <a:p>
                       <a:r>
-                        <a:rPr lang="en-US" sz="1100" b="1" dirty="0" smtClean="0"/>
-                        <a:t>Need reactive Programming Simplicity</a:t>
-                      </a:r>
-                      <a:r>
                         <a:rPr lang="en-US" sz="1100" b="1" baseline="0" dirty="0" smtClean="0"/>
-                        <a:t>:</a:t>
+                        <a:t>Performance Focus:</a:t>
                       </a:r>
                       <a:r>
                         <a:rPr lang="en-US" sz="1100" dirty="0" smtClean="0"/>
-                        <a:t>  Simple built-in reactivity model. You don’t need to use hooks</a:t>
-                      </a:r>
-                      <a:r>
-                        <a:rPr lang="en-US" sz="1100" smtClean="0"/>
-                        <a:t>, or </a:t>
-                      </a:r>
-                      <a:r>
-                        <a:rPr lang="en-US" sz="1100" dirty="0" smtClean="0"/>
-                        <a:t>other patterns to manage component reactivity like in React. Changes to variables automatically trigger DOM updates, simplifying reactive programming.</a:t>
-                      </a:r>
-                    </a:p>
-                    <a:p>
-                      <a:pPr>
-                        <a:buFont typeface="Arial"/>
-                        <a:buChar char="•"/>
-                      </a:pPr>
+                        <a:t>  If you prioritize performance and want a smaller CSS file size in production, Tailwind’s purge feature helps eliminate unused styles, leading to a leaner build.</a:t>
+                      </a:r>
                       <a:endParaRPr lang="en-US" sz="1100" dirty="0"/>
                     </a:p>
                   </a:txBody>
@@ -6561,6 +6544,41 @@
                   <a:txBody>
                     <a:bodyPr/>
                     <a:lstStyle/>
+                    <a:p>
+                      <a:pPr marL="0" marR="0" indent="0" algn="l" defTabSz="914400" rtl="0" eaLnBrk="1" fontAlgn="auto" latinLnBrk="0" hangingPunct="1">
+                        <a:lnSpc>
+                          <a:spcPct val="100000"/>
+                        </a:lnSpc>
+                        <a:spcBef>
+                          <a:spcPts val="0"/>
+                        </a:spcBef>
+                        <a:spcAft>
+                          <a:spcPts val="0"/>
+                        </a:spcAft>
+                        <a:buClrTx/>
+                        <a:buSzTx/>
+                        <a:buFontTx/>
+                        <a:buNone/>
+                        <a:tabLst/>
+                        <a:defRPr/>
+                      </a:pPr>
+                      <a:r>
+                        <a:rPr lang="en-US" sz="1100" b="1" dirty="0" smtClean="0"/>
+                        <a:t>Team Familiarity:</a:t>
+                      </a:r>
+                      <a:r>
+                        <a:rPr lang="en-US" sz="1100" dirty="0" smtClean="0"/>
+                        <a:t> If your team is already familiar with Bootstrap, leveraging their existing knowledge can lead to quicker </a:t>
+                      </a:r>
+                      <a:r>
+                        <a:rPr lang="en-US" sz="1100" dirty="0" err="1" smtClean="0"/>
+                        <a:t>onboarding</a:t>
+                      </a:r>
+                      <a:r>
+                        <a:rPr lang="en-US" sz="1100" dirty="0" smtClean="0"/>
+                        <a:t> and development.</a:t>
+                      </a:r>
+                    </a:p>
                     <a:p>
                       <a:endParaRPr lang="en-US" sz="1100" dirty="0"/>
                     </a:p>
@@ -6594,6 +6612,285 @@
 </file>
 
 <file path=ppt/slides/slide8.xml><?xml version="1.0" encoding="utf-8"?>
+<p:sld xmlns:a="http://schemas.openxmlformats.org/drawingml/2006/main" xmlns:r="http://schemas.openxmlformats.org/officeDocument/2006/relationships" xmlns:p="http://schemas.openxmlformats.org/presentationml/2006/main">
+  <p:cSld>
+    <p:spTree>
+      <p:nvGrpSpPr>
+        <p:cNvPr id="1" name=""/>
+        <p:cNvGrpSpPr/>
+        <p:nvPr/>
+      </p:nvGrpSpPr>
+      <p:grpSpPr>
+        <a:xfrm>
+          <a:off x="0" y="0"/>
+          <a:ext cx="0" cy="0"/>
+          <a:chOff x="0" y="0"/>
+          <a:chExt cx="0" cy="0"/>
+        </a:xfrm>
+      </p:grpSpPr>
+      <p:sp>
+        <p:nvSpPr>
+          <p:cNvPr id="4" name="TextBox 3">
+            <a:extLst>
+              <a:ext uri="{FF2B5EF4-FFF2-40B4-BE49-F238E27FC236}">
+                <a16:creationId xmlns:a16="http://schemas.microsoft.com/office/drawing/2014/main" xmlns="" id="{221FA16E-AAC8-1A73-CCDA-27D1070D6804}"/>
+              </a:ext>
+            </a:extLst>
+          </p:cNvPr>
+          <p:cNvSpPr txBox="1"/>
+          <p:nvPr/>
+        </p:nvSpPr>
+        <p:spPr>
+          <a:xfrm>
+            <a:off x="9958274" y="6338973"/>
+            <a:ext cx="1881605" cy="369332"/>
+          </a:xfrm>
+          <a:prstGeom prst="rect">
+            <a:avLst/>
+          </a:prstGeom>
+          <a:noFill/>
+        </p:spPr>
+        <p:txBody>
+          <a:bodyPr wrap="none" rtlCol="0">
+            <a:spAutoFit/>
+          </a:bodyPr>
+          <a:lstStyle/>
+          <a:p>
+            <a:r>
+              <a:rPr lang="en-US" i="1" dirty="0">
+                <a:solidFill>
+                  <a:schemeClr val="tx1">
+                    <a:lumMod val="50000"/>
+                  </a:schemeClr>
+                </a:solidFill>
+              </a:rPr>
+              <a:t>Mesa Confidential</a:t>
+            </a:r>
+          </a:p>
+        </p:txBody>
+      </p:sp>
+      <p:sp>
+        <p:nvSpPr>
+          <p:cNvPr id="5" name="Title 4"/>
+          <p:cNvSpPr>
+            <a:spLocks noGrp="1"/>
+          </p:cNvSpPr>
+          <p:nvPr>
+            <p:ph type="title"/>
+          </p:nvPr>
+        </p:nvSpPr>
+        <p:spPr/>
+        <p:txBody>
+          <a:bodyPr/>
+          <a:lstStyle/>
+          <a:p>
+            <a:r>
+              <a:rPr lang="en-US" sz="3200" dirty="0" smtClean="0"/>
+              <a:t>How can we benefit from Tailwind CSS?</a:t>
+            </a:r>
+          </a:p>
+        </p:txBody>
+      </p:sp>
+      <p:sp>
+        <p:nvSpPr>
+          <p:cNvPr id="6" name="Rectangle 5"/>
+          <p:cNvSpPr/>
+          <p:nvPr/>
+        </p:nvSpPr>
+        <p:spPr>
+          <a:xfrm>
+            <a:off x="793631" y="1299713"/>
+            <a:ext cx="9982200" cy="705258"/>
+          </a:xfrm>
+          <a:prstGeom prst="rect">
+            <a:avLst/>
+          </a:prstGeom>
+        </p:spPr>
+        <p:txBody>
+          <a:bodyPr wrap="square">
+            <a:spAutoFit/>
+          </a:bodyPr>
+          <a:lstStyle/>
+          <a:p>
+            <a:pPr marL="800100" lvl="1" indent="-342900">
+              <a:lnSpc>
+                <a:spcPct val="150000"/>
+              </a:lnSpc>
+              <a:buFont typeface="+mj-lt"/>
+              <a:buAutoNum type="arabicPeriod"/>
+            </a:pPr>
+            <a:endParaRPr lang="en-US" sz="1400" dirty="0" smtClean="0"/>
+          </a:p>
+          <a:p>
+            <a:pPr marL="800100" lvl="1" indent="-342900">
+              <a:lnSpc>
+                <a:spcPct val="150000"/>
+              </a:lnSpc>
+              <a:buFont typeface="+mj-lt"/>
+              <a:buAutoNum type="arabicPeriod"/>
+            </a:pPr>
+            <a:endParaRPr lang="en-US" sz="1400" dirty="0"/>
+          </a:p>
+        </p:txBody>
+      </p:sp>
+      <p:graphicFrame>
+        <p:nvGraphicFramePr>
+          <p:cNvPr id="7" name="Table 6"/>
+          <p:cNvGraphicFramePr>
+            <a:graphicFrameLocks noGrp="1"/>
+          </p:cNvGraphicFramePr>
+          <p:nvPr/>
+        </p:nvGraphicFramePr>
+        <p:xfrm>
+          <a:off x="914399" y="1405466"/>
+          <a:ext cx="9668934" cy="3767667"/>
+        </p:xfrm>
+        <a:graphic>
+          <a:graphicData uri="http://schemas.openxmlformats.org/drawingml/2006/table">
+            <a:tbl>
+              <a:tblPr firstRow="1" bandRow="1">
+                <a:tableStyleId>{21E4AEA4-8DFA-4A89-87EB-49C32662AFE0}</a:tableStyleId>
+              </a:tblPr>
+              <a:tblGrid>
+                <a:gridCol w="9668934"/>
+              </a:tblGrid>
+              <a:tr h="453985">
+                <a:tc>
+                  <a:txBody>
+                    <a:bodyPr/>
+                    <a:lstStyle/>
+                    <a:p>
+                      <a:pPr algn="ctr"/>
+                      <a:r>
+                        <a:rPr lang="en-US" dirty="0" smtClean="0"/>
+                        <a:t>Tailwind CSS</a:t>
+                      </a:r>
+                      <a:r>
+                        <a:rPr lang="en-US" baseline="0" dirty="0" smtClean="0"/>
+                        <a:t> Benefits</a:t>
+                      </a:r>
+                      <a:endParaRPr lang="en-US" dirty="0"/>
+                    </a:p>
+                  </a:txBody>
+                  <a:tcPr/>
+                </a:tc>
+              </a:tr>
+              <a:tr h="907970">
+                <a:tc>
+                  <a:txBody>
+                    <a:bodyPr/>
+                    <a:lstStyle/>
+                    <a:p>
+                      <a:r>
+                        <a:rPr lang="en-US" sz="1400" dirty="0" smtClean="0"/>
+                        <a:t>Tailwind CSS is particularly effective for smaller projects or individual components that require specific styling, making it more efficient without the burden of a full component library. Therefore, we can confidently use Tailwind CSS for our new VPC Dashboard, as it is a component of a larger system that necessitates custom design solutions.</a:t>
+                      </a:r>
+                      <a:endParaRPr lang="en-US" sz="1400" dirty="0"/>
+                    </a:p>
+                  </a:txBody>
+                  <a:tcPr/>
+                </a:tc>
+              </a:tr>
+              <a:tr h="1034077">
+                <a:tc>
+                  <a:txBody>
+                    <a:bodyPr/>
+                    <a:lstStyle/>
+                    <a:p>
+                      <a:pPr marL="0" marR="0" indent="0" algn="l" defTabSz="914400" rtl="0" eaLnBrk="1" fontAlgn="auto" latinLnBrk="0" hangingPunct="1">
+                        <a:lnSpc>
+                          <a:spcPct val="100000"/>
+                        </a:lnSpc>
+                        <a:spcBef>
+                          <a:spcPts val="0"/>
+                        </a:spcBef>
+                        <a:spcAft>
+                          <a:spcPts val="0"/>
+                        </a:spcAft>
+                        <a:buClrTx/>
+                        <a:buSzTx/>
+                        <a:buFontTx/>
+                        <a:buNone/>
+                        <a:tabLst/>
+                        <a:defRPr/>
+                      </a:pPr>
+                      <a:r>
+                        <a:rPr lang="en-US" sz="1400" dirty="0" smtClean="0"/>
+                        <a:t>The new VPC Dashboard component and potential future mobile application, developed using Svelte or similar JavaScript frontend frameworks, can significantly benefit from Tailwind CSS due to its emphasis on performance and the reduced CSS file size in production, particularly on mobile devices.</a:t>
+                      </a:r>
+                      <a:endParaRPr lang="en-US" sz="1400" dirty="0"/>
+                    </a:p>
+                  </a:txBody>
+                  <a:tcPr/>
+                </a:tc>
+              </a:tr>
+              <a:tr h="1371635">
+                <a:tc>
+                  <a:txBody>
+                    <a:bodyPr/>
+                    <a:lstStyle/>
+                    <a:p>
+                      <a:pPr marL="0" marR="0" indent="0" algn="l" defTabSz="914400" rtl="0" eaLnBrk="1" fontAlgn="auto" latinLnBrk="0" hangingPunct="1">
+                        <a:lnSpc>
+                          <a:spcPct val="100000"/>
+                        </a:lnSpc>
+                        <a:spcBef>
+                          <a:spcPts val="0"/>
+                        </a:spcBef>
+                        <a:spcAft>
+                          <a:spcPts val="0"/>
+                        </a:spcAft>
+                        <a:buClrTx/>
+                        <a:buSzTx/>
+                        <a:buFontTx/>
+                        <a:buNone/>
+                        <a:tabLst/>
+                        <a:defRPr/>
+                      </a:pPr>
+                      <a:r>
+                        <a:rPr lang="en-US" sz="1400" dirty="0" smtClean="0"/>
+                        <a:t>If we design the future system to be architecturally modular, decoupled, and </a:t>
+                      </a:r>
+                      <a:r>
+                        <a:rPr lang="en-US" sz="1400" dirty="0" err="1" smtClean="0"/>
+                        <a:t>microservices</a:t>
+                      </a:r>
+                      <a:r>
+                        <a:rPr lang="en-US" sz="1400" dirty="0" smtClean="0"/>
+                        <a:t>-based, smaller frontend web applications that integrate into the system ecosystem can effectively utilize Tailwind CSS to reduce file size and enhance performance. This is particularly beneficial because the frontend applications are decoupled from the rest of the system.</a:t>
+                      </a:r>
+                      <a:endParaRPr lang="en-US" sz="1400" dirty="0"/>
+                    </a:p>
+                  </a:txBody>
+                  <a:tcPr/>
+                </a:tc>
+              </a:tr>
+            </a:tbl>
+          </a:graphicData>
+        </a:graphic>
+      </p:graphicFrame>
+    </p:spTree>
+    <p:extLst>
+      <p:ext uri="{BB962C8B-B14F-4D97-AF65-F5344CB8AC3E}">
+        <p14:creationId xmlns:p14="http://schemas.microsoft.com/office/powerpoint/2010/main" xmlns="" val="1960280140"/>
+      </p:ext>
+    </p:extLst>
+  </p:cSld>
+  <p:clrMapOvr>
+    <a:masterClrMapping/>
+  </p:clrMapOvr>
+  <mc:AlternateContent xmlns:mc="http://schemas.openxmlformats.org/markup-compatibility/2006">
+    <mc:Choice xmlns:p14="http://schemas.microsoft.com/office/powerpoint/2010/main" xmlns="" Requires="p14">
+      <p:transition spd="slow" p14:dur="2000" advClick="0" advTm="5000"/>
+    </mc:Choice>
+    <mc:Fallback>
+      <p:transition spd="slow" advClick="0" advTm="5000"/>
+    </mc:Fallback>
+  </mc:AlternateContent>
+</p:sld>
+</file>
+
+<file path=ppt/slides/slide9.xml><?xml version="1.0" encoding="utf-8"?>
 <p:sld xmlns:a="http://schemas.openxmlformats.org/drawingml/2006/main" xmlns:r="http://schemas.openxmlformats.org/officeDocument/2006/relationships" xmlns:p="http://schemas.openxmlformats.org/presentationml/2006/main">
   <p:cSld>
     <p:spTree>
